--- a/presentations/180301_seiara/herzmann_seiara.pptx
+++ b/presentations/180301_seiara/herzmann_seiara.pptx
@@ -26,12 +26,25 @@
     <p:sldId id="269" r:id="rId20"/>
     <p:sldId id="271" r:id="rId21"/>
     <p:sldId id="278" r:id="rId22"/>
-    <p:sldId id="270" r:id="rId23"/>
-    <p:sldId id="279" r:id="rId24"/>
-    <p:sldId id="282" r:id="rId25"/>
-    <p:sldId id="283" r:id="rId26"/>
-    <p:sldId id="280" r:id="rId27"/>
-    <p:sldId id="281" r:id="rId28"/>
+    <p:sldId id="294" r:id="rId23"/>
+    <p:sldId id="270" r:id="rId24"/>
+    <p:sldId id="286" r:id="rId25"/>
+    <p:sldId id="298" r:id="rId26"/>
+    <p:sldId id="279" r:id="rId27"/>
+    <p:sldId id="282" r:id="rId28"/>
+    <p:sldId id="283" r:id="rId29"/>
+    <p:sldId id="292" r:id="rId30"/>
+    <p:sldId id="293" r:id="rId31"/>
+    <p:sldId id="280" r:id="rId32"/>
+    <p:sldId id="288" r:id="rId33"/>
+    <p:sldId id="287" r:id="rId34"/>
+    <p:sldId id="289" r:id="rId35"/>
+    <p:sldId id="290" r:id="rId36"/>
+    <p:sldId id="291" r:id="rId37"/>
+    <p:sldId id="295" r:id="rId38"/>
+    <p:sldId id="296" r:id="rId39"/>
+    <p:sldId id="297" r:id="rId40"/>
+    <p:sldId id="281" r:id="rId41"/>
   </p:sldIdLst>
   <p:sldSz cx="9144000" cy="6858000" type="screen4x3"/>
   <p:notesSz cx="6858000" cy="9144000"/>
@@ -4652,7 +4665,7 @@
         <p:spPr>
           <a:xfrm>
             <a:off x="1676400" y="2133600"/>
-            <a:ext cx="4200830" cy="2308324"/>
+            <a:ext cx="5232458" cy="2862322"/>
           </a:xfrm>
           <a:prstGeom prst="rect">
             <a:avLst/>
@@ -4679,7 +4692,7 @@
                   </a:schemeClr>
                 </a:solidFill>
               </a:rPr>
-              <a:t>Daily Temperatures</a:t>
+              <a:t>Temperatures</a:t>
             </a:r>
           </a:p>
           <a:p>
@@ -4691,7 +4704,7 @@
                   </a:schemeClr>
                 </a:solidFill>
               </a:rPr>
-              <a:t>Soil Moisture</a:t>
+              <a:t>Soil Moisture/Temperature</a:t>
             </a:r>
           </a:p>
           <a:p>
@@ -4704,6 +4717,18 @@
                 </a:solidFill>
               </a:rPr>
               <a:t>Precipitation</a:t>
+            </a:r>
+          </a:p>
+          <a:p>
+            <a:r>
+              <a:rPr lang="en-US" sz="3600" dirty="0" smtClean="0">
+                <a:solidFill>
+                  <a:schemeClr val="bg2">
+                    <a:lumMod val="75000"/>
+                  </a:schemeClr>
+                </a:solidFill>
+              </a:rPr>
+              <a:t>Wind</a:t>
             </a:r>
             <a:endParaRPr lang="en-US" sz="3600" dirty="0">
               <a:solidFill>
@@ -8044,7 +8069,7 @@
         <p:spPr>
           <a:xfrm>
             <a:off x="1676400" y="2133600"/>
-            <a:ext cx="4200830" cy="2308324"/>
+            <a:ext cx="5232458" cy="2862322"/>
           </a:xfrm>
           <a:prstGeom prst="rect">
             <a:avLst/>
@@ -8071,7 +8096,7 @@
           <a:p>
             <a:r>
               <a:rPr lang="en-US" sz="3600" dirty="0" smtClean="0"/>
-              <a:t>Daily Temperatures</a:t>
+              <a:t>Temperatures</a:t>
             </a:r>
           </a:p>
           <a:p>
@@ -8083,7 +8108,7 @@
                   </a:schemeClr>
                 </a:solidFill>
               </a:rPr>
-              <a:t>Soil Moisture</a:t>
+              <a:t>Soil Moisture/Temperature</a:t>
             </a:r>
           </a:p>
           <a:p>
@@ -8096,6 +8121,18 @@
                 </a:solidFill>
               </a:rPr>
               <a:t>Precipitation</a:t>
+            </a:r>
+          </a:p>
+          <a:p>
+            <a:r>
+              <a:rPr lang="en-US" sz="3600" dirty="0" smtClean="0">
+                <a:solidFill>
+                  <a:schemeClr val="bg2">
+                    <a:lumMod val="75000"/>
+                  </a:schemeClr>
+                </a:solidFill>
+              </a:rPr>
+              <a:t>Wind</a:t>
             </a:r>
             <a:endParaRPr lang="en-US" sz="3600" dirty="0">
               <a:solidFill>
@@ -8137,33 +8174,14 @@
           <a:chExt cx="0" cy="0"/>
         </a:xfrm>
       </p:grpSpPr>
-      <p:sp>
-        <p:nvSpPr>
-          <p:cNvPr id="4" name="Title 3"/>
-          <p:cNvSpPr>
-            <a:spLocks noGrp="1"/>
-          </p:cNvSpPr>
-          <p:nvPr>
-            <p:ph type="title"/>
-          </p:nvPr>
-        </p:nvSpPr>
-        <p:spPr/>
-        <p:txBody>
-          <a:bodyPr/>
-          <a:lstStyle/>
-          <a:p>
-            <a:endParaRPr lang="en-US"/>
-          </a:p>
-        </p:txBody>
-      </p:sp>
       <p:pic>
         <p:nvPicPr>
-          <p:cNvPr id="9" name="Content Placeholder 8"/>
+          <p:cNvPr id="7" name="Content Placeholder 6"/>
           <p:cNvPicPr>
             <a:picLocks noGrp="1" noChangeAspect="1"/>
           </p:cNvPicPr>
           <p:nvPr>
-            <p:ph sz="half" idx="1"/>
+            <p:ph idx="1"/>
           </p:nvPr>
         </p:nvPicPr>
         <p:blipFill>
@@ -8180,100 +8198,27 @@
         </p:blipFill>
         <p:spPr>
           <a:xfrm>
-            <a:off x="457200" y="2348706"/>
-            <a:ext cx="4038600" cy="3028950"/>
+            <a:off x="125225" y="-8238"/>
+            <a:ext cx="9006416" cy="6754811"/>
           </a:xfrm>
         </p:spPr>
       </p:pic>
-      <p:pic>
-        <p:nvPicPr>
-          <p:cNvPr id="7" name="Content Placeholder 6"/>
-          <p:cNvPicPr>
-            <a:picLocks noGrp="1" noChangeAspect="1"/>
-          </p:cNvPicPr>
-          <p:nvPr>
-            <p:ph sz="half" idx="2"/>
-          </p:nvPr>
-        </p:nvPicPr>
-        <p:blipFill>
-          <a:blip r:embed="rId3">
-            <a:extLst>
-              <a:ext uri="{28A0092B-C50C-407E-A947-70E740481C1C}">
-                <a14:useLocalDpi xmlns:a14="http://schemas.microsoft.com/office/drawing/2010/main" val="0"/>
-              </a:ext>
-            </a:extLst>
-          </a:blip>
-          <a:stretch>
-            <a:fillRect/>
-          </a:stretch>
-        </p:blipFill>
-        <p:spPr>
-          <a:xfrm>
-            <a:off x="4648200" y="2348706"/>
-            <a:ext cx="4038600" cy="3028950"/>
-          </a:xfrm>
-        </p:spPr>
-      </p:pic>
-      <p:sp>
-        <p:nvSpPr>
-          <p:cNvPr id="8" name="TextBox 7"/>
-          <p:cNvSpPr txBox="1"/>
-          <p:nvPr/>
-        </p:nvSpPr>
-        <p:spPr>
-          <a:xfrm>
-            <a:off x="5029200" y="5638800"/>
-            <a:ext cx="2469459" cy="369332"/>
-          </a:xfrm>
-          <a:prstGeom prst="rect">
-            <a:avLst/>
-          </a:prstGeom>
-          <a:noFill/>
-        </p:spPr>
-        <p:txBody>
-          <a:bodyPr wrap="none" rtlCol="0">
-            <a:spAutoFit/>
-          </a:bodyPr>
-          <a:lstStyle/>
-          <a:p>
-            <a:r>
-              <a:rPr lang="en-US" dirty="0" smtClean="0">
-                <a:hlinkClick r:id="rId4"/>
-              </a:rPr>
-              <a:t>Web Link</a:t>
-            </a:r>
-            <a:r>
-              <a:rPr lang="en-US" dirty="0" smtClean="0"/>
-              <a:t> (</a:t>
-            </a:r>
-            <a:r>
-              <a:rPr lang="en-US" dirty="0" err="1" smtClean="0"/>
-              <a:t>Autoplot</a:t>
-            </a:r>
-            <a:r>
-              <a:rPr lang="en-US" dirty="0" smtClean="0"/>
-              <a:t> #32)</a:t>
-            </a:r>
-            <a:endParaRPr lang="en-US" dirty="0"/>
-          </a:p>
-        </p:txBody>
-      </p:sp>
-      <p:sp>
-        <p:nvSpPr>
-          <p:cNvPr id="10" name="Rounded Rectangle 9"/>
+      <p:sp>
+        <p:nvSpPr>
+          <p:cNvPr id="8" name="Rounded Rectangle 7"/>
           <p:cNvSpPr/>
           <p:nvPr/>
         </p:nvSpPr>
         <p:spPr>
           <a:xfrm>
-            <a:off x="6629400" y="2667000"/>
-            <a:ext cx="685800" cy="2590799"/>
+            <a:off x="7391400" y="6477000"/>
+            <a:ext cx="1740243" cy="381000"/>
           </a:xfrm>
           <a:prstGeom prst="roundRect">
             <a:avLst/>
           </a:prstGeom>
           <a:noFill/>
-          <a:ln w="57150">
+          <a:ln>
             <a:solidFill>
               <a:schemeClr val="accent2"/>
             </a:solidFill>
@@ -8312,8 +8257,8 @@
         </p:nvSpPr>
         <p:spPr>
           <a:xfrm>
-            <a:off x="5036047" y="1779006"/>
-            <a:ext cx="3186706" cy="369332"/>
+            <a:off x="533400" y="76200"/>
+            <a:ext cx="1048236" cy="369332"/>
           </a:xfrm>
           <a:prstGeom prst="rect">
             <a:avLst/>
@@ -8327,38 +8272,10 @@
           <a:lstStyle/>
           <a:p>
             <a:r>
-              <a:rPr lang="en-US" dirty="0" smtClean="0"/>
-              <a:t>2017 Daily Low Temp Departure</a:t>
-            </a:r>
-            <a:endParaRPr lang="en-US" dirty="0"/>
-          </a:p>
-        </p:txBody>
-      </p:sp>
-      <p:sp>
-        <p:nvSpPr>
-          <p:cNvPr id="12" name="TextBox 11"/>
-          <p:cNvSpPr txBox="1"/>
-          <p:nvPr/>
-        </p:nvSpPr>
-        <p:spPr>
-          <a:xfrm>
-            <a:off x="1066800" y="1779006"/>
-            <a:ext cx="3186706" cy="369332"/>
-          </a:xfrm>
-          <a:prstGeom prst="rect">
-            <a:avLst/>
-          </a:prstGeom>
-          <a:noFill/>
-        </p:spPr>
-        <p:txBody>
-          <a:bodyPr wrap="none" rtlCol="0">
-            <a:spAutoFit/>
-          </a:bodyPr>
-          <a:lstStyle/>
-          <a:p>
-            <a:r>
-              <a:rPr lang="en-US" dirty="0" smtClean="0"/>
-              <a:t>2016 Daily Low Temp Departure</a:t>
+              <a:rPr lang="en-US" dirty="0" smtClean="0">
+                <a:hlinkClick r:id="rId3"/>
+              </a:rPr>
+              <a:t>Web Link</a:t>
             </a:r>
             <a:endParaRPr lang="en-US" dirty="0"/>
           </a:p>
@@ -8367,7 +8284,7 @@
     </p:spTree>
     <p:extLst>
       <p:ext uri="{BB962C8B-B14F-4D97-AF65-F5344CB8AC3E}">
-        <p14:creationId xmlns:p14="http://schemas.microsoft.com/office/powerpoint/2010/main" val="2560893451"/>
+        <p14:creationId xmlns:p14="http://schemas.microsoft.com/office/powerpoint/2010/main" val="1650809202"/>
       </p:ext>
     </p:extLst>
   </p:cSld>
@@ -8406,29 +8323,81 @@
         </p:nvSpPr>
         <p:spPr/>
         <p:txBody>
-          <a:bodyPr>
-            <a:normAutofit fontScale="90000"/>
-          </a:bodyPr>
-          <a:lstStyle/>
-          <a:p>
-            <a:r>
-              <a:rPr lang="en-US" dirty="0" smtClean="0"/>
-              <a:t>Some Weather Variables to Monitor</a:t>
-            </a:r>
-            <a:endParaRPr lang="en-US" dirty="0"/>
-          </a:p>
-        </p:txBody>
-      </p:sp>
-      <p:sp>
-        <p:nvSpPr>
-          <p:cNvPr id="5" name="TextBox 4"/>
+          <a:bodyPr/>
+          <a:lstStyle/>
+          <a:p>
+            <a:endParaRPr lang="en-US"/>
+          </a:p>
+        </p:txBody>
+      </p:sp>
+      <p:pic>
+        <p:nvPicPr>
+          <p:cNvPr id="9" name="Content Placeholder 8"/>
+          <p:cNvPicPr>
+            <a:picLocks noGrp="1" noChangeAspect="1"/>
+          </p:cNvPicPr>
+          <p:nvPr>
+            <p:ph sz="half" idx="1"/>
+          </p:nvPr>
+        </p:nvPicPr>
+        <p:blipFill>
+          <a:blip r:embed="rId2">
+            <a:extLst>
+              <a:ext uri="{28A0092B-C50C-407E-A947-70E740481C1C}">
+                <a14:useLocalDpi xmlns:a14="http://schemas.microsoft.com/office/drawing/2010/main" val="0"/>
+              </a:ext>
+            </a:extLst>
+          </a:blip>
+          <a:stretch>
+            <a:fillRect/>
+          </a:stretch>
+        </p:blipFill>
+        <p:spPr>
+          <a:xfrm>
+            <a:off x="457200" y="2348706"/>
+            <a:ext cx="4038600" cy="3028950"/>
+          </a:xfrm>
+        </p:spPr>
+      </p:pic>
+      <p:pic>
+        <p:nvPicPr>
+          <p:cNvPr id="7" name="Content Placeholder 6"/>
+          <p:cNvPicPr>
+            <a:picLocks noGrp="1" noChangeAspect="1"/>
+          </p:cNvPicPr>
+          <p:nvPr>
+            <p:ph sz="half" idx="2"/>
+          </p:nvPr>
+        </p:nvPicPr>
+        <p:blipFill>
+          <a:blip r:embed="rId3">
+            <a:extLst>
+              <a:ext uri="{28A0092B-C50C-407E-A947-70E740481C1C}">
+                <a14:useLocalDpi xmlns:a14="http://schemas.microsoft.com/office/drawing/2010/main" val="0"/>
+              </a:ext>
+            </a:extLst>
+          </a:blip>
+          <a:stretch>
+            <a:fillRect/>
+          </a:stretch>
+        </p:blipFill>
+        <p:spPr>
+          <a:xfrm>
+            <a:off x="4648200" y="2348706"/>
+            <a:ext cx="4038600" cy="3028950"/>
+          </a:xfrm>
+        </p:spPr>
+      </p:pic>
+      <p:sp>
+        <p:nvSpPr>
+          <p:cNvPr id="8" name="TextBox 7"/>
           <p:cNvSpPr txBox="1"/>
           <p:nvPr/>
         </p:nvSpPr>
         <p:spPr>
           <a:xfrm>
-            <a:off x="1676400" y="2133600"/>
-            <a:ext cx="4200830" cy="2308324"/>
+            <a:off x="5029200" y="5638800"/>
+            <a:ext cx="2469459" cy="369332"/>
           </a:xfrm>
           <a:prstGeom prst="rect">
             <a:avLst/>
@@ -8442,59 +8411,137 @@
           <a:lstStyle/>
           <a:p>
             <a:r>
-              <a:rPr lang="en-US" sz="3600" dirty="0" smtClean="0">
-                <a:solidFill>
-                  <a:schemeClr val="bg2">
-                    <a:lumMod val="75000"/>
-                  </a:schemeClr>
-                </a:solidFill>
+              <a:rPr lang="en-US" dirty="0" smtClean="0">
+                <a:hlinkClick r:id="rId4"/>
               </a:rPr>
-              <a:t>Growing Degree Days</a:t>
-            </a:r>
-          </a:p>
-          <a:p>
-            <a:r>
-              <a:rPr lang="en-US" sz="3600" dirty="0" smtClean="0">
-                <a:solidFill>
-                  <a:schemeClr val="bg2">
-                    <a:lumMod val="75000"/>
-                  </a:schemeClr>
-                </a:solidFill>
-              </a:rPr>
-              <a:t>Daily Temperatures</a:t>
-            </a:r>
-          </a:p>
-          <a:p>
-            <a:r>
-              <a:rPr lang="en-US" sz="3600" dirty="0" smtClean="0"/>
-              <a:t>Soil Moisture</a:t>
-            </a:r>
-          </a:p>
-          <a:p>
-            <a:r>
-              <a:rPr lang="en-US" sz="3600" dirty="0" smtClean="0">
-                <a:solidFill>
-                  <a:schemeClr val="bg2">
-                    <a:lumMod val="75000"/>
-                  </a:schemeClr>
-                </a:solidFill>
-              </a:rPr>
-              <a:t>Precipitation</a:t>
-            </a:r>
-            <a:endParaRPr lang="en-US" sz="3600" dirty="0">
-              <a:solidFill>
-                <a:schemeClr val="bg2">
-                  <a:lumMod val="75000"/>
-                </a:schemeClr>
-              </a:solidFill>
-            </a:endParaRPr>
+              <a:t>Web Link</a:t>
+            </a:r>
+            <a:r>
+              <a:rPr lang="en-US" dirty="0" smtClean="0"/>
+              <a:t> (</a:t>
+            </a:r>
+            <a:r>
+              <a:rPr lang="en-US" dirty="0" err="1" smtClean="0"/>
+              <a:t>Autoplot</a:t>
+            </a:r>
+            <a:r>
+              <a:rPr lang="en-US" dirty="0" smtClean="0"/>
+              <a:t> #32)</a:t>
+            </a:r>
+            <a:endParaRPr lang="en-US" dirty="0"/>
+          </a:p>
+        </p:txBody>
+      </p:sp>
+      <p:sp>
+        <p:nvSpPr>
+          <p:cNvPr id="10" name="Rounded Rectangle 9"/>
+          <p:cNvSpPr/>
+          <p:nvPr/>
+        </p:nvSpPr>
+        <p:spPr>
+          <a:xfrm>
+            <a:off x="6629400" y="2667000"/>
+            <a:ext cx="685800" cy="2590799"/>
+          </a:xfrm>
+          <a:prstGeom prst="roundRect">
+            <a:avLst/>
+          </a:prstGeom>
+          <a:noFill/>
+          <a:ln w="57150">
+            <a:solidFill>
+              <a:schemeClr val="accent2"/>
+            </a:solidFill>
+          </a:ln>
+        </p:spPr>
+        <p:style>
+          <a:lnRef idx="2">
+            <a:schemeClr val="accent1">
+              <a:shade val="50000"/>
+            </a:schemeClr>
+          </a:lnRef>
+          <a:fillRef idx="1">
+            <a:schemeClr val="accent1"/>
+          </a:fillRef>
+          <a:effectRef idx="0">
+            <a:schemeClr val="accent1"/>
+          </a:effectRef>
+          <a:fontRef idx="minor">
+            <a:schemeClr val="lt1"/>
+          </a:fontRef>
+        </p:style>
+        <p:txBody>
+          <a:bodyPr rtlCol="0" anchor="ctr"/>
+          <a:lstStyle/>
+          <a:p>
+            <a:pPr algn="ctr"/>
+            <a:endParaRPr lang="en-US"/>
+          </a:p>
+        </p:txBody>
+      </p:sp>
+      <p:sp>
+        <p:nvSpPr>
+          <p:cNvPr id="11" name="TextBox 10"/>
+          <p:cNvSpPr txBox="1"/>
+          <p:nvPr/>
+        </p:nvSpPr>
+        <p:spPr>
+          <a:xfrm>
+            <a:off x="5036047" y="1779006"/>
+            <a:ext cx="3186706" cy="369332"/>
+          </a:xfrm>
+          <a:prstGeom prst="rect">
+            <a:avLst/>
+          </a:prstGeom>
+          <a:noFill/>
+        </p:spPr>
+        <p:txBody>
+          <a:bodyPr wrap="none" rtlCol="0">
+            <a:spAutoFit/>
+          </a:bodyPr>
+          <a:lstStyle/>
+          <a:p>
+            <a:r>
+              <a:rPr lang="en-US" dirty="0" smtClean="0"/>
+              <a:t>2017 Daily Low Temp Departure</a:t>
+            </a:r>
+            <a:endParaRPr lang="en-US" dirty="0"/>
+          </a:p>
+        </p:txBody>
+      </p:sp>
+      <p:sp>
+        <p:nvSpPr>
+          <p:cNvPr id="12" name="TextBox 11"/>
+          <p:cNvSpPr txBox="1"/>
+          <p:nvPr/>
+        </p:nvSpPr>
+        <p:spPr>
+          <a:xfrm>
+            <a:off x="1066800" y="1779006"/>
+            <a:ext cx="3186706" cy="369332"/>
+          </a:xfrm>
+          <a:prstGeom prst="rect">
+            <a:avLst/>
+          </a:prstGeom>
+          <a:noFill/>
+        </p:spPr>
+        <p:txBody>
+          <a:bodyPr wrap="none" rtlCol="0">
+            <a:spAutoFit/>
+          </a:bodyPr>
+          <a:lstStyle/>
+          <a:p>
+            <a:r>
+              <a:rPr lang="en-US" dirty="0" smtClean="0"/>
+              <a:t>2016 Daily Low Temp Departure</a:t>
+            </a:r>
+            <a:endParaRPr lang="en-US" dirty="0"/>
           </a:p>
         </p:txBody>
       </p:sp>
     </p:spTree>
     <p:extLst>
       <p:ext uri="{BB962C8B-B14F-4D97-AF65-F5344CB8AC3E}">
-        <p14:creationId xmlns:p14="http://schemas.microsoft.com/office/powerpoint/2010/main" val="3546275046"/>
+        <p14:creationId xmlns:p14="http://schemas.microsoft.com/office/powerpoint/2010/main" val="2560893451"/>
       </p:ext>
     </p:extLst>
   </p:cSld>
@@ -8521,73 +8568,108 @@
           <a:chExt cx="0" cy="0"/>
         </a:xfrm>
       </p:grpSpPr>
-      <p:sp>
-        <p:nvSpPr>
-          <p:cNvPr id="3" name="Title 2"/>
-          <p:cNvSpPr>
-            <a:spLocks noGrp="1"/>
-          </p:cNvSpPr>
-          <p:nvPr>
-            <p:ph type="title"/>
-          </p:nvPr>
-        </p:nvSpPr>
-        <p:spPr/>
-        <p:txBody>
-          <a:bodyPr/>
-          <a:lstStyle/>
-          <a:p>
-            <a:r>
-              <a:rPr lang="en-US" dirty="0" smtClean="0"/>
-              <a:t>ISU Soil Moisture Caveats Galore</a:t>
-            </a:r>
-            <a:endParaRPr lang="en-US" dirty="0"/>
-          </a:p>
-        </p:txBody>
-      </p:sp>
-      <p:sp>
-        <p:nvSpPr>
-          <p:cNvPr id="4" name="Content Placeholder 3"/>
-          <p:cNvSpPr>
-            <a:spLocks noGrp="1"/>
-          </p:cNvSpPr>
+      <p:pic>
+        <p:nvPicPr>
+          <p:cNvPr id="7" name="Content Placeholder 6"/>
+          <p:cNvPicPr>
+            <a:picLocks noGrp="1" noChangeAspect="1"/>
+          </p:cNvPicPr>
           <p:nvPr>
             <p:ph idx="1"/>
           </p:nvPr>
-        </p:nvSpPr>
-        <p:spPr/>
-        <p:txBody>
-          <a:bodyPr>
-            <a:normAutofit lnSpcReduction="10000"/>
+        </p:nvPicPr>
+        <p:blipFill>
+          <a:blip r:embed="rId2">
+            <a:extLst>
+              <a:ext uri="{28A0092B-C50C-407E-A947-70E740481C1C}">
+                <a14:useLocalDpi xmlns:a14="http://schemas.microsoft.com/office/drawing/2010/main" val="0"/>
+              </a:ext>
+            </a:extLst>
+          </a:blip>
+          <a:stretch>
+            <a:fillRect/>
+          </a:stretch>
+        </p:blipFill>
+        <p:spPr>
+          <a:xfrm>
+            <a:off x="125225" y="-8238"/>
+            <a:ext cx="9006416" cy="6754812"/>
+          </a:xfrm>
+        </p:spPr>
+      </p:pic>
+      <p:sp>
+        <p:nvSpPr>
+          <p:cNvPr id="8" name="Rounded Rectangle 7"/>
+          <p:cNvSpPr/>
+          <p:nvPr/>
+        </p:nvSpPr>
+        <p:spPr>
+          <a:xfrm>
+            <a:off x="7391400" y="6477000"/>
+            <a:ext cx="1740243" cy="381000"/>
+          </a:xfrm>
+          <a:prstGeom prst="roundRect">
+            <a:avLst/>
+          </a:prstGeom>
+          <a:noFill/>
+          <a:ln>
+            <a:solidFill>
+              <a:schemeClr val="accent2"/>
+            </a:solidFill>
+          </a:ln>
+        </p:spPr>
+        <p:style>
+          <a:lnRef idx="2">
+            <a:schemeClr val="accent1">
+              <a:shade val="50000"/>
+            </a:schemeClr>
+          </a:lnRef>
+          <a:fillRef idx="1">
+            <a:schemeClr val="accent1"/>
+          </a:fillRef>
+          <a:effectRef idx="0">
+            <a:schemeClr val="accent1"/>
+          </a:effectRef>
+          <a:fontRef idx="minor">
+            <a:schemeClr val="lt1"/>
+          </a:fontRef>
+        </p:style>
+        <p:txBody>
+          <a:bodyPr rtlCol="0" anchor="ctr"/>
+          <a:lstStyle/>
+          <a:p>
+            <a:pPr algn="ctr"/>
+            <a:endParaRPr lang="en-US"/>
+          </a:p>
+        </p:txBody>
+      </p:sp>
+      <p:sp>
+        <p:nvSpPr>
+          <p:cNvPr id="11" name="TextBox 10"/>
+          <p:cNvSpPr txBox="1"/>
+          <p:nvPr/>
+        </p:nvSpPr>
+        <p:spPr>
+          <a:xfrm>
+            <a:off x="533400" y="76200"/>
+            <a:ext cx="1048236" cy="369332"/>
+          </a:xfrm>
+          <a:prstGeom prst="rect">
+            <a:avLst/>
+          </a:prstGeom>
+          <a:noFill/>
+        </p:spPr>
+        <p:txBody>
+          <a:bodyPr wrap="none" rtlCol="0">
+            <a:spAutoFit/>
           </a:bodyPr>
           <a:lstStyle/>
           <a:p>
             <a:r>
-              <a:rPr lang="en-US" dirty="0" smtClean="0"/>
-              <a:t>Only 12, 24, and 50 inch depth readings for moisture</a:t>
-            </a:r>
-          </a:p>
-          <a:p>
-            <a:r>
-              <a:rPr lang="en-US" dirty="0" smtClean="0"/>
-              <a:t>4 inch soil temperature is not in the crop field</a:t>
-            </a:r>
-          </a:p>
-          <a:p>
-            <a:r>
-              <a:rPr lang="en-US" dirty="0" smtClean="0"/>
-              <a:t>Sensors don’t work properly when soil is frozen</a:t>
-            </a:r>
-          </a:p>
-          <a:p>
-            <a:r>
-              <a:rPr lang="en-US" dirty="0" smtClean="0"/>
-              <a:t>We’ve had issues with lightning knocking out sensors</a:t>
-            </a:r>
-          </a:p>
-          <a:p>
-            <a:r>
-              <a:rPr lang="en-US" dirty="0" smtClean="0"/>
-              <a:t>Newly installed sensors need time to find equilibrium</a:t>
+              <a:rPr lang="en-US" dirty="0" smtClean="0">
+                <a:hlinkClick r:id="rId3"/>
+              </a:rPr>
+              <a:t>Web Link</a:t>
             </a:r>
             <a:endParaRPr lang="en-US" dirty="0"/>
           </a:p>
@@ -8596,7 +8678,7 @@
     </p:spTree>
     <p:extLst>
       <p:ext uri="{BB962C8B-B14F-4D97-AF65-F5344CB8AC3E}">
-        <p14:creationId xmlns:p14="http://schemas.microsoft.com/office/powerpoint/2010/main" val="2269157171"/>
+        <p14:creationId xmlns:p14="http://schemas.microsoft.com/office/powerpoint/2010/main" val="2989094505"/>
       </p:ext>
     </p:extLst>
   </p:cSld>
@@ -8647,8 +8729,8 @@
         </p:blipFill>
         <p:spPr>
           <a:xfrm>
-            <a:off x="125225" y="-8238"/>
-            <a:ext cx="9006416" cy="6754812"/>
+            <a:off x="125225" y="367029"/>
+            <a:ext cx="9006416" cy="6004277"/>
           </a:xfrm>
         </p:spPr>
       </p:pic>
@@ -8660,8 +8742,8 @@
         </p:nvSpPr>
         <p:spPr>
           <a:xfrm>
-            <a:off x="7086600" y="6477000"/>
-            <a:ext cx="2045043" cy="381000"/>
+            <a:off x="7391400" y="6096000"/>
+            <a:ext cx="1740243" cy="381000"/>
           </a:xfrm>
           <a:prstGeom prst="roundRect">
             <a:avLst/>
@@ -8738,16 +8820,16 @@
         </p:nvSpPr>
         <p:spPr>
           <a:xfrm>
-            <a:off x="3429000" y="4114800"/>
-            <a:ext cx="2286000" cy="1295399"/>
+            <a:off x="6934200" y="2362200"/>
+            <a:ext cx="1676400" cy="2362200"/>
           </a:xfrm>
           <a:prstGeom prst="roundRect">
             <a:avLst/>
           </a:prstGeom>
           <a:noFill/>
-          <a:ln w="57150">
+          <a:ln>
             <a:solidFill>
-              <a:schemeClr val="accent4"/>
+              <a:schemeClr val="accent2"/>
             </a:solidFill>
           </a:ln>
         </p:spPr>
@@ -8779,7 +8861,7 @@
     </p:spTree>
     <p:extLst>
       <p:ext uri="{BB962C8B-B14F-4D97-AF65-F5344CB8AC3E}">
-        <p14:creationId xmlns:p14="http://schemas.microsoft.com/office/powerpoint/2010/main" val="853609196"/>
+        <p14:creationId xmlns:p14="http://schemas.microsoft.com/office/powerpoint/2010/main" val="2848504487"/>
       </p:ext>
     </p:extLst>
   </p:cSld>
@@ -8840,7 +8922,7 @@
         <p:spPr>
           <a:xfrm>
             <a:off x="1676400" y="2133600"/>
-            <a:ext cx="4200830" cy="2308324"/>
+            <a:ext cx="5232458" cy="2862322"/>
           </a:xfrm>
           <a:prstGeom prst="rect">
             <a:avLst/>
@@ -8873,7 +8955,13 @@
                   </a:schemeClr>
                 </a:solidFill>
               </a:rPr>
-              <a:t>Daily Temperatures</a:t>
+              <a:t>Temperatures</a:t>
+            </a:r>
+          </a:p>
+          <a:p>
+            <a:r>
+              <a:rPr lang="en-US" sz="3600" dirty="0" smtClean="0"/>
+              <a:t>Soil Moisture/Temperature</a:t>
             </a:r>
           </a:p>
           <a:p>
@@ -8885,22 +8973,34 @@
                   </a:schemeClr>
                 </a:solidFill>
               </a:rPr>
-              <a:t>Soil Moisture</a:t>
-            </a:r>
-          </a:p>
-          <a:p>
-            <a:r>
-              <a:rPr lang="en-US" sz="3600" dirty="0" smtClean="0"/>
               <a:t>Precipitation</a:t>
             </a:r>
-            <a:endParaRPr lang="en-US" sz="3600" dirty="0"/>
+          </a:p>
+          <a:p>
+            <a:r>
+              <a:rPr lang="en-US" sz="3600" dirty="0" smtClean="0">
+                <a:solidFill>
+                  <a:schemeClr val="bg2">
+                    <a:lumMod val="75000"/>
+                  </a:schemeClr>
+                </a:solidFill>
+              </a:rPr>
+              <a:t>Wind</a:t>
+            </a:r>
+            <a:endParaRPr lang="en-US" sz="3600" dirty="0">
+              <a:solidFill>
+                <a:schemeClr val="bg2">
+                  <a:lumMod val="75000"/>
+                </a:schemeClr>
+              </a:solidFill>
+            </a:endParaRPr>
           </a:p>
         </p:txBody>
       </p:sp>
     </p:spTree>
     <p:extLst>
       <p:ext uri="{BB962C8B-B14F-4D97-AF65-F5344CB8AC3E}">
-        <p14:creationId xmlns:p14="http://schemas.microsoft.com/office/powerpoint/2010/main" val="3475664742"/>
+        <p14:creationId xmlns:p14="http://schemas.microsoft.com/office/powerpoint/2010/main" val="3546275046"/>
       </p:ext>
     </p:extLst>
   </p:cSld>
@@ -8929,6 +9029,690 @@
       </p:grpSpPr>
       <p:sp>
         <p:nvSpPr>
+          <p:cNvPr id="3" name="Title 2"/>
+          <p:cNvSpPr>
+            <a:spLocks noGrp="1"/>
+          </p:cNvSpPr>
+          <p:nvPr>
+            <p:ph type="title"/>
+          </p:nvPr>
+        </p:nvSpPr>
+        <p:spPr/>
+        <p:txBody>
+          <a:bodyPr/>
+          <a:lstStyle/>
+          <a:p>
+            <a:r>
+              <a:rPr lang="en-US" dirty="0" smtClean="0"/>
+              <a:t>ISU Soil Moisture Caveats Galore</a:t>
+            </a:r>
+            <a:endParaRPr lang="en-US" dirty="0"/>
+          </a:p>
+        </p:txBody>
+      </p:sp>
+      <p:sp>
+        <p:nvSpPr>
+          <p:cNvPr id="4" name="Content Placeholder 3"/>
+          <p:cNvSpPr>
+            <a:spLocks noGrp="1"/>
+          </p:cNvSpPr>
+          <p:nvPr>
+            <p:ph idx="1"/>
+          </p:nvPr>
+        </p:nvSpPr>
+        <p:spPr/>
+        <p:txBody>
+          <a:bodyPr>
+            <a:normAutofit lnSpcReduction="10000"/>
+          </a:bodyPr>
+          <a:lstStyle/>
+          <a:p>
+            <a:r>
+              <a:rPr lang="en-US" dirty="0" smtClean="0"/>
+              <a:t>Only 12, 24, and 50 inch depth readings for moisture</a:t>
+            </a:r>
+          </a:p>
+          <a:p>
+            <a:r>
+              <a:rPr lang="en-US" dirty="0" smtClean="0"/>
+              <a:t>4 inch soil temperature is not in the crop field</a:t>
+            </a:r>
+          </a:p>
+          <a:p>
+            <a:r>
+              <a:rPr lang="en-US" dirty="0" smtClean="0"/>
+              <a:t>Sensors don’t work properly when soil is frozen</a:t>
+            </a:r>
+          </a:p>
+          <a:p>
+            <a:r>
+              <a:rPr lang="en-US" dirty="0" smtClean="0"/>
+              <a:t>We’ve had issues with lightning knocking out sensors</a:t>
+            </a:r>
+          </a:p>
+          <a:p>
+            <a:r>
+              <a:rPr lang="en-US" dirty="0" smtClean="0"/>
+              <a:t>Newly installed sensors need time to find equilibrium</a:t>
+            </a:r>
+            <a:endParaRPr lang="en-US" dirty="0"/>
+          </a:p>
+        </p:txBody>
+      </p:sp>
+    </p:spTree>
+    <p:extLst>
+      <p:ext uri="{BB962C8B-B14F-4D97-AF65-F5344CB8AC3E}">
+        <p14:creationId xmlns:p14="http://schemas.microsoft.com/office/powerpoint/2010/main" val="2269157171"/>
+      </p:ext>
+    </p:extLst>
+  </p:cSld>
+  <p:clrMapOvr>
+    <a:masterClrMapping/>
+  </p:clrMapOvr>
+</p:sld>
+</file>
+
+<file path=ppt/slides/slide28.xml><?xml version="1.0" encoding="utf-8"?>
+<p:sld xmlns:a="http://schemas.openxmlformats.org/drawingml/2006/main" xmlns:r="http://schemas.openxmlformats.org/officeDocument/2006/relationships" xmlns:p="http://schemas.openxmlformats.org/presentationml/2006/main">
+  <p:cSld>
+    <p:spTree>
+      <p:nvGrpSpPr>
+        <p:cNvPr id="1" name=""/>
+        <p:cNvGrpSpPr/>
+        <p:nvPr/>
+      </p:nvGrpSpPr>
+      <p:grpSpPr>
+        <a:xfrm>
+          <a:off x="0" y="0"/>
+          <a:ext cx="0" cy="0"/>
+          <a:chOff x="0" y="0"/>
+          <a:chExt cx="0" cy="0"/>
+        </a:xfrm>
+      </p:grpSpPr>
+      <p:pic>
+        <p:nvPicPr>
+          <p:cNvPr id="7" name="Content Placeholder 6"/>
+          <p:cNvPicPr>
+            <a:picLocks noGrp="1" noChangeAspect="1"/>
+          </p:cNvPicPr>
+          <p:nvPr>
+            <p:ph idx="1"/>
+          </p:nvPr>
+        </p:nvPicPr>
+        <p:blipFill>
+          <a:blip r:embed="rId2">
+            <a:extLst>
+              <a:ext uri="{28A0092B-C50C-407E-A947-70E740481C1C}">
+                <a14:useLocalDpi xmlns:a14="http://schemas.microsoft.com/office/drawing/2010/main" val="0"/>
+              </a:ext>
+            </a:extLst>
+          </a:blip>
+          <a:stretch>
+            <a:fillRect/>
+          </a:stretch>
+        </p:blipFill>
+        <p:spPr>
+          <a:xfrm>
+            <a:off x="125225" y="-8238"/>
+            <a:ext cx="9006416" cy="6754812"/>
+          </a:xfrm>
+        </p:spPr>
+      </p:pic>
+      <p:sp>
+        <p:nvSpPr>
+          <p:cNvPr id="8" name="Rounded Rectangle 7"/>
+          <p:cNvSpPr/>
+          <p:nvPr/>
+        </p:nvSpPr>
+        <p:spPr>
+          <a:xfrm>
+            <a:off x="7086600" y="6477000"/>
+            <a:ext cx="2045043" cy="381000"/>
+          </a:xfrm>
+          <a:prstGeom prst="roundRect">
+            <a:avLst/>
+          </a:prstGeom>
+          <a:noFill/>
+          <a:ln>
+            <a:solidFill>
+              <a:schemeClr val="accent2"/>
+            </a:solidFill>
+          </a:ln>
+        </p:spPr>
+        <p:style>
+          <a:lnRef idx="2">
+            <a:schemeClr val="accent1">
+              <a:shade val="50000"/>
+            </a:schemeClr>
+          </a:lnRef>
+          <a:fillRef idx="1">
+            <a:schemeClr val="accent1"/>
+          </a:fillRef>
+          <a:effectRef idx="0">
+            <a:schemeClr val="accent1"/>
+          </a:effectRef>
+          <a:fontRef idx="minor">
+            <a:schemeClr val="lt1"/>
+          </a:fontRef>
+        </p:style>
+        <p:txBody>
+          <a:bodyPr rtlCol="0" anchor="ctr"/>
+          <a:lstStyle/>
+          <a:p>
+            <a:pPr algn="ctr"/>
+            <a:endParaRPr lang="en-US"/>
+          </a:p>
+        </p:txBody>
+      </p:sp>
+      <p:sp>
+        <p:nvSpPr>
+          <p:cNvPr id="11" name="TextBox 10"/>
+          <p:cNvSpPr txBox="1"/>
+          <p:nvPr/>
+        </p:nvSpPr>
+        <p:spPr>
+          <a:xfrm>
+            <a:off x="533400" y="76200"/>
+            <a:ext cx="1048236" cy="369332"/>
+          </a:xfrm>
+          <a:prstGeom prst="rect">
+            <a:avLst/>
+          </a:prstGeom>
+          <a:noFill/>
+        </p:spPr>
+        <p:txBody>
+          <a:bodyPr wrap="none" rtlCol="0">
+            <a:spAutoFit/>
+          </a:bodyPr>
+          <a:lstStyle/>
+          <a:p>
+            <a:r>
+              <a:rPr lang="en-US" dirty="0" smtClean="0">
+                <a:hlinkClick r:id="rId3"/>
+              </a:rPr>
+              <a:t>Web Link</a:t>
+            </a:r>
+            <a:endParaRPr lang="en-US" dirty="0"/>
+          </a:p>
+        </p:txBody>
+      </p:sp>
+      <p:sp>
+        <p:nvSpPr>
+          <p:cNvPr id="5" name="Rounded Rectangle 4"/>
+          <p:cNvSpPr/>
+          <p:nvPr/>
+        </p:nvSpPr>
+        <p:spPr>
+          <a:xfrm>
+            <a:off x="3429000" y="4114800"/>
+            <a:ext cx="2286000" cy="1295399"/>
+          </a:xfrm>
+          <a:prstGeom prst="roundRect">
+            <a:avLst/>
+          </a:prstGeom>
+          <a:noFill/>
+          <a:ln w="57150">
+            <a:solidFill>
+              <a:schemeClr val="accent4"/>
+            </a:solidFill>
+          </a:ln>
+        </p:spPr>
+        <p:style>
+          <a:lnRef idx="2">
+            <a:schemeClr val="accent1">
+              <a:shade val="50000"/>
+            </a:schemeClr>
+          </a:lnRef>
+          <a:fillRef idx="1">
+            <a:schemeClr val="accent1"/>
+          </a:fillRef>
+          <a:effectRef idx="0">
+            <a:schemeClr val="accent1"/>
+          </a:effectRef>
+          <a:fontRef idx="minor">
+            <a:schemeClr val="lt1"/>
+          </a:fontRef>
+        </p:style>
+        <p:txBody>
+          <a:bodyPr rtlCol="0" anchor="ctr"/>
+          <a:lstStyle/>
+          <a:p>
+            <a:pPr algn="ctr"/>
+            <a:endParaRPr lang="en-US"/>
+          </a:p>
+        </p:txBody>
+      </p:sp>
+    </p:spTree>
+    <p:extLst>
+      <p:ext uri="{BB962C8B-B14F-4D97-AF65-F5344CB8AC3E}">
+        <p14:creationId xmlns:p14="http://schemas.microsoft.com/office/powerpoint/2010/main" val="853609196"/>
+      </p:ext>
+    </p:extLst>
+  </p:cSld>
+  <p:clrMapOvr>
+    <a:masterClrMapping/>
+  </p:clrMapOvr>
+</p:sld>
+</file>
+
+<file path=ppt/slides/slide29.xml><?xml version="1.0" encoding="utf-8"?>
+<p:sld xmlns:a="http://schemas.openxmlformats.org/drawingml/2006/main" xmlns:r="http://schemas.openxmlformats.org/officeDocument/2006/relationships" xmlns:p="http://schemas.openxmlformats.org/presentationml/2006/main">
+  <p:cSld>
+    <p:spTree>
+      <p:nvGrpSpPr>
+        <p:cNvPr id="1" name=""/>
+        <p:cNvGrpSpPr/>
+        <p:nvPr/>
+      </p:nvGrpSpPr>
+      <p:grpSpPr>
+        <a:xfrm>
+          <a:off x="0" y="0"/>
+          <a:ext cx="0" cy="0"/>
+          <a:chOff x="0" y="0"/>
+          <a:chExt cx="0" cy="0"/>
+        </a:xfrm>
+      </p:grpSpPr>
+      <p:pic>
+        <p:nvPicPr>
+          <p:cNvPr id="7" name="Content Placeholder 6"/>
+          <p:cNvPicPr>
+            <a:picLocks noGrp="1" noChangeAspect="1"/>
+          </p:cNvPicPr>
+          <p:nvPr>
+            <p:ph idx="1"/>
+          </p:nvPr>
+        </p:nvPicPr>
+        <p:blipFill rotWithShape="1">
+          <a:blip r:embed="rId2">
+            <a:extLst>
+              <a:ext uri="{28A0092B-C50C-407E-A947-70E740481C1C}">
+                <a14:useLocalDpi xmlns:a14="http://schemas.microsoft.com/office/drawing/2010/main" val="0"/>
+              </a:ext>
+            </a:extLst>
+          </a:blip>
+          <a:srcRect l="5170" t="6890" r="5712" b="61523"/>
+          <a:stretch/>
+        </p:blipFill>
+        <p:spPr>
+          <a:xfrm>
+            <a:off x="152400" y="457200"/>
+            <a:ext cx="8814709" cy="3124200"/>
+          </a:xfrm>
+        </p:spPr>
+      </p:pic>
+      <p:sp>
+        <p:nvSpPr>
+          <p:cNvPr id="11" name="TextBox 10"/>
+          <p:cNvSpPr txBox="1"/>
+          <p:nvPr/>
+        </p:nvSpPr>
+        <p:spPr>
+          <a:xfrm>
+            <a:off x="533400" y="76200"/>
+            <a:ext cx="2586477" cy="369332"/>
+          </a:xfrm>
+          <a:prstGeom prst="rect">
+            <a:avLst/>
+          </a:prstGeom>
+          <a:noFill/>
+        </p:spPr>
+        <p:txBody>
+          <a:bodyPr wrap="none" rtlCol="0">
+            <a:spAutoFit/>
+          </a:bodyPr>
+          <a:lstStyle/>
+          <a:p>
+            <a:r>
+              <a:rPr lang="en-US" dirty="0" smtClean="0">
+                <a:hlinkClick r:id="rId3"/>
+              </a:rPr>
+              <a:t>Web Link</a:t>
+            </a:r>
+            <a:r>
+              <a:rPr lang="en-US" dirty="0" smtClean="0"/>
+              <a:t> (</a:t>
+            </a:r>
+            <a:r>
+              <a:rPr lang="en-US" dirty="0" err="1" smtClean="0"/>
+              <a:t>Autoplot</a:t>
+            </a:r>
+            <a:r>
+              <a:rPr lang="en-US" dirty="0" smtClean="0"/>
+              <a:t> #177)</a:t>
+            </a:r>
+            <a:endParaRPr lang="en-US" dirty="0"/>
+          </a:p>
+        </p:txBody>
+      </p:sp>
+      <p:sp>
+        <p:nvSpPr>
+          <p:cNvPr id="5" name="Rounded Rectangle 4"/>
+          <p:cNvSpPr/>
+          <p:nvPr/>
+        </p:nvSpPr>
+        <p:spPr>
+          <a:xfrm>
+            <a:off x="5791200" y="609600"/>
+            <a:ext cx="1295400" cy="2514599"/>
+          </a:xfrm>
+          <a:prstGeom prst="roundRect">
+            <a:avLst/>
+          </a:prstGeom>
+          <a:noFill/>
+          <a:ln w="57150">
+            <a:solidFill>
+              <a:schemeClr val="accent4"/>
+            </a:solidFill>
+          </a:ln>
+        </p:spPr>
+        <p:style>
+          <a:lnRef idx="2">
+            <a:schemeClr val="accent1">
+              <a:shade val="50000"/>
+            </a:schemeClr>
+          </a:lnRef>
+          <a:fillRef idx="1">
+            <a:schemeClr val="accent1"/>
+          </a:fillRef>
+          <a:effectRef idx="0">
+            <a:schemeClr val="accent1"/>
+          </a:effectRef>
+          <a:fontRef idx="minor">
+            <a:schemeClr val="lt1"/>
+          </a:fontRef>
+        </p:style>
+        <p:txBody>
+          <a:bodyPr rtlCol="0" anchor="ctr"/>
+          <a:lstStyle/>
+          <a:p>
+            <a:pPr algn="ctr"/>
+            <a:endParaRPr lang="en-US"/>
+          </a:p>
+        </p:txBody>
+      </p:sp>
+      <p:pic>
+        <p:nvPicPr>
+          <p:cNvPr id="2" name="Picture 1"/>
+          <p:cNvPicPr>
+            <a:picLocks noChangeAspect="1"/>
+          </p:cNvPicPr>
+          <p:nvPr/>
+        </p:nvPicPr>
+        <p:blipFill rotWithShape="1">
+          <a:blip r:embed="rId2">
+            <a:extLst>
+              <a:ext uri="{28A0092B-C50C-407E-A947-70E740481C1C}">
+                <a14:useLocalDpi xmlns:a14="http://schemas.microsoft.com/office/drawing/2010/main" val="0"/>
+              </a:ext>
+            </a:extLst>
+          </a:blip>
+          <a:srcRect l="12222" t="88890" r="5556" b="6666"/>
+          <a:stretch/>
+        </p:blipFill>
+        <p:spPr>
+          <a:xfrm>
+            <a:off x="838200" y="3639065"/>
+            <a:ext cx="8128909" cy="439400"/>
+          </a:xfrm>
+          <a:prstGeom prst="rect">
+            <a:avLst/>
+          </a:prstGeom>
+        </p:spPr>
+      </p:pic>
+    </p:spTree>
+    <p:extLst>
+      <p:ext uri="{BB962C8B-B14F-4D97-AF65-F5344CB8AC3E}">
+        <p14:creationId xmlns:p14="http://schemas.microsoft.com/office/powerpoint/2010/main" val="3068916929"/>
+      </p:ext>
+    </p:extLst>
+  </p:cSld>
+  <p:clrMapOvr>
+    <a:masterClrMapping/>
+  </p:clrMapOvr>
+</p:sld>
+</file>
+
+<file path=ppt/slides/slide3.xml><?xml version="1.0" encoding="utf-8"?>
+<p:sld xmlns:a="http://schemas.openxmlformats.org/drawingml/2006/main" xmlns:r="http://schemas.openxmlformats.org/officeDocument/2006/relationships" xmlns:p="http://schemas.openxmlformats.org/presentationml/2006/main">
+  <p:cSld>
+    <p:spTree>
+      <p:nvGrpSpPr>
+        <p:cNvPr id="1" name=""/>
+        <p:cNvGrpSpPr/>
+        <p:nvPr/>
+      </p:nvGrpSpPr>
+      <p:grpSpPr>
+        <a:xfrm>
+          <a:off x="0" y="0"/>
+          <a:ext cx="0" cy="0"/>
+          <a:chOff x="0" y="0"/>
+          <a:chExt cx="0" cy="0"/>
+        </a:xfrm>
+      </p:grpSpPr>
+      <p:sp>
+        <p:nvSpPr>
+          <p:cNvPr id="3" name="Title 2"/>
+          <p:cNvSpPr>
+            <a:spLocks noGrp="1"/>
+          </p:cNvSpPr>
+          <p:nvPr>
+            <p:ph type="title"/>
+          </p:nvPr>
+        </p:nvSpPr>
+        <p:spPr>
+          <a:xfrm>
+            <a:off x="722313" y="1524000"/>
+            <a:ext cx="7772400" cy="1362075"/>
+          </a:xfrm>
+        </p:spPr>
+        <p:txBody>
+          <a:bodyPr/>
+          <a:lstStyle/>
+          <a:p>
+            <a:r>
+              <a:rPr lang="en-US" dirty="0" smtClean="0"/>
+              <a:t>OK </a:t>
+            </a:r>
+            <a:r>
+              <a:rPr lang="en-US" dirty="0" err="1" smtClean="0"/>
+              <a:t>daryl</a:t>
+            </a:r>
+            <a:r>
+              <a:rPr lang="en-US" dirty="0" smtClean="0"/>
+              <a:t>, no more attempts at confusing drawings</a:t>
+            </a:r>
+            <a:endParaRPr lang="en-US" dirty="0"/>
+          </a:p>
+        </p:txBody>
+      </p:sp>
+      <p:sp>
+        <p:nvSpPr>
+          <p:cNvPr id="4" name="Text Placeholder 3"/>
+          <p:cNvSpPr>
+            <a:spLocks noGrp="1"/>
+          </p:cNvSpPr>
+          <p:nvPr>
+            <p:ph type="body" idx="1"/>
+          </p:nvPr>
+        </p:nvSpPr>
+        <p:spPr/>
+        <p:txBody>
+          <a:bodyPr/>
+          <a:lstStyle/>
+          <a:p>
+            <a:endParaRPr lang="en-US" dirty="0"/>
+          </a:p>
+        </p:txBody>
+      </p:sp>
+    </p:spTree>
+    <p:extLst>
+      <p:ext uri="{BB962C8B-B14F-4D97-AF65-F5344CB8AC3E}">
+        <p14:creationId xmlns:p14="http://schemas.microsoft.com/office/powerpoint/2010/main" val="2704570624"/>
+      </p:ext>
+    </p:extLst>
+  </p:cSld>
+  <p:clrMapOvr>
+    <a:masterClrMapping/>
+  </p:clrMapOvr>
+</p:sld>
+</file>
+
+<file path=ppt/slides/slide30.xml><?xml version="1.0" encoding="utf-8"?>
+<p:sld xmlns:a="http://schemas.openxmlformats.org/drawingml/2006/main" xmlns:r="http://schemas.openxmlformats.org/officeDocument/2006/relationships" xmlns:p="http://schemas.openxmlformats.org/presentationml/2006/main">
+  <p:cSld>
+    <p:spTree>
+      <p:nvGrpSpPr>
+        <p:cNvPr id="1" name=""/>
+        <p:cNvGrpSpPr/>
+        <p:nvPr/>
+      </p:nvGrpSpPr>
+      <p:grpSpPr>
+        <a:xfrm>
+          <a:off x="0" y="0"/>
+          <a:ext cx="0" cy="0"/>
+          <a:chOff x="0" y="0"/>
+          <a:chExt cx="0" cy="0"/>
+        </a:xfrm>
+      </p:grpSpPr>
+      <p:pic>
+        <p:nvPicPr>
+          <p:cNvPr id="7" name="Content Placeholder 6"/>
+          <p:cNvPicPr>
+            <a:picLocks noGrp="1" noChangeAspect="1"/>
+          </p:cNvPicPr>
+          <p:nvPr>
+            <p:ph idx="1"/>
+          </p:nvPr>
+        </p:nvPicPr>
+        <p:blipFill>
+          <a:blip r:embed="rId2">
+            <a:extLst>
+              <a:ext uri="{28A0092B-C50C-407E-A947-70E740481C1C}">
+                <a14:useLocalDpi xmlns:a14="http://schemas.microsoft.com/office/drawing/2010/main" val="0"/>
+              </a:ext>
+            </a:extLst>
+          </a:blip>
+          <a:stretch>
+            <a:fillRect/>
+          </a:stretch>
+        </p:blipFill>
+        <p:spPr>
+          <a:xfrm>
+            <a:off x="125225" y="-8238"/>
+            <a:ext cx="9006416" cy="6754812"/>
+          </a:xfrm>
+        </p:spPr>
+      </p:pic>
+      <p:sp>
+        <p:nvSpPr>
+          <p:cNvPr id="8" name="Rounded Rectangle 7"/>
+          <p:cNvSpPr/>
+          <p:nvPr/>
+        </p:nvSpPr>
+        <p:spPr>
+          <a:xfrm>
+            <a:off x="7086600" y="6477000"/>
+            <a:ext cx="2045043" cy="381000"/>
+          </a:xfrm>
+          <a:prstGeom prst="roundRect">
+            <a:avLst/>
+          </a:prstGeom>
+          <a:noFill/>
+          <a:ln>
+            <a:solidFill>
+              <a:schemeClr val="accent2"/>
+            </a:solidFill>
+          </a:ln>
+        </p:spPr>
+        <p:style>
+          <a:lnRef idx="2">
+            <a:schemeClr val="accent1">
+              <a:shade val="50000"/>
+            </a:schemeClr>
+          </a:lnRef>
+          <a:fillRef idx="1">
+            <a:schemeClr val="accent1"/>
+          </a:fillRef>
+          <a:effectRef idx="0">
+            <a:schemeClr val="accent1"/>
+          </a:effectRef>
+          <a:fontRef idx="minor">
+            <a:schemeClr val="lt1"/>
+          </a:fontRef>
+        </p:style>
+        <p:txBody>
+          <a:bodyPr rtlCol="0" anchor="ctr"/>
+          <a:lstStyle/>
+          <a:p>
+            <a:pPr algn="ctr"/>
+            <a:endParaRPr lang="en-US"/>
+          </a:p>
+        </p:txBody>
+      </p:sp>
+      <p:sp>
+        <p:nvSpPr>
+          <p:cNvPr id="11" name="TextBox 10"/>
+          <p:cNvSpPr txBox="1"/>
+          <p:nvPr/>
+        </p:nvSpPr>
+        <p:spPr>
+          <a:xfrm>
+            <a:off x="533400" y="76200"/>
+            <a:ext cx="1048236" cy="369332"/>
+          </a:xfrm>
+          <a:prstGeom prst="rect">
+            <a:avLst/>
+          </a:prstGeom>
+          <a:noFill/>
+        </p:spPr>
+        <p:txBody>
+          <a:bodyPr wrap="none" rtlCol="0">
+            <a:spAutoFit/>
+          </a:bodyPr>
+          <a:lstStyle/>
+          <a:p>
+            <a:r>
+              <a:rPr lang="en-US" dirty="0" smtClean="0">
+                <a:hlinkClick r:id="rId3"/>
+              </a:rPr>
+              <a:t>Web Link</a:t>
+            </a:r>
+            <a:endParaRPr lang="en-US" dirty="0"/>
+          </a:p>
+        </p:txBody>
+      </p:sp>
+    </p:spTree>
+    <p:extLst>
+      <p:ext uri="{BB962C8B-B14F-4D97-AF65-F5344CB8AC3E}">
+        <p14:creationId xmlns:p14="http://schemas.microsoft.com/office/powerpoint/2010/main" val="2371273506"/>
+      </p:ext>
+    </p:extLst>
+  </p:cSld>
+  <p:clrMapOvr>
+    <a:masterClrMapping/>
+  </p:clrMapOvr>
+</p:sld>
+</file>
+
+<file path=ppt/slides/slide31.xml><?xml version="1.0" encoding="utf-8"?>
+<p:sld xmlns:a="http://schemas.openxmlformats.org/drawingml/2006/main" xmlns:r="http://schemas.openxmlformats.org/officeDocument/2006/relationships" xmlns:p="http://schemas.openxmlformats.org/presentationml/2006/main">
+  <p:cSld>
+    <p:spTree>
+      <p:nvGrpSpPr>
+        <p:cNvPr id="1" name=""/>
+        <p:cNvGrpSpPr/>
+        <p:nvPr/>
+      </p:nvGrpSpPr>
+      <p:grpSpPr>
+        <a:xfrm>
+          <a:off x="0" y="0"/>
+          <a:ext cx="0" cy="0"/>
+          <a:chOff x="0" y="0"/>
+          <a:chExt cx="0" cy="0"/>
+        </a:xfrm>
+      </p:grpSpPr>
+      <p:sp>
+        <p:nvSpPr>
           <p:cNvPr id="4" name="Title 3"/>
           <p:cNvSpPr>
             <a:spLocks noGrp="1"/>
@@ -8937,12 +9721,7 @@
             <p:ph type="title"/>
           </p:nvPr>
         </p:nvSpPr>
-        <p:spPr>
-          <a:xfrm>
-            <a:off x="457200" y="533400"/>
-            <a:ext cx="8229600" cy="1143000"/>
-          </a:xfrm>
-        </p:spPr>
+        <p:spPr/>
         <p:txBody>
           <a:bodyPr>
             <a:normAutofit fontScale="90000"/>
@@ -8951,18 +9730,1638 @@
           <a:p>
             <a:r>
               <a:rPr lang="en-US" dirty="0" smtClean="0"/>
-              <a:t>OK, enough of my rambling…. Questions</a:t>
-            </a:r>
+              <a:t>Some Weather Variables to Monitor</a:t>
+            </a:r>
+            <a:endParaRPr lang="en-US" dirty="0"/>
+          </a:p>
+        </p:txBody>
+      </p:sp>
+      <p:sp>
+        <p:nvSpPr>
+          <p:cNvPr id="5" name="TextBox 4"/>
+          <p:cNvSpPr txBox="1"/>
+          <p:nvPr/>
+        </p:nvSpPr>
+        <p:spPr>
+          <a:xfrm>
+            <a:off x="1676400" y="2133600"/>
+            <a:ext cx="5232458" cy="2862322"/>
+          </a:xfrm>
+          <a:prstGeom prst="rect">
+            <a:avLst/>
+          </a:prstGeom>
+          <a:noFill/>
+        </p:spPr>
+        <p:txBody>
+          <a:bodyPr wrap="none" rtlCol="0">
+            <a:spAutoFit/>
+          </a:bodyPr>
+          <a:lstStyle/>
+          <a:p>
+            <a:r>
+              <a:rPr lang="en-US" sz="3600" dirty="0" smtClean="0">
+                <a:solidFill>
+                  <a:schemeClr val="bg2">
+                    <a:lumMod val="75000"/>
+                  </a:schemeClr>
+                </a:solidFill>
+              </a:rPr>
+              <a:t>Growing Degree Days</a:t>
+            </a:r>
+          </a:p>
+          <a:p>
+            <a:r>
+              <a:rPr lang="en-US" sz="3600" dirty="0" smtClean="0">
+                <a:solidFill>
+                  <a:schemeClr val="bg2">
+                    <a:lumMod val="75000"/>
+                  </a:schemeClr>
+                </a:solidFill>
+              </a:rPr>
+              <a:t>Temperatures</a:t>
+            </a:r>
+          </a:p>
+          <a:p>
+            <a:r>
+              <a:rPr lang="en-US" sz="3600" dirty="0" smtClean="0">
+                <a:solidFill>
+                  <a:schemeClr val="bg2">
+                    <a:lumMod val="75000"/>
+                  </a:schemeClr>
+                </a:solidFill>
+              </a:rPr>
+              <a:t>Soil Moisture/Temperature</a:t>
+            </a:r>
+          </a:p>
+          <a:p>
+            <a:r>
+              <a:rPr lang="en-US" sz="3600" dirty="0" smtClean="0"/>
+              <a:t>Precipitation</a:t>
+            </a:r>
+          </a:p>
+          <a:p>
+            <a:r>
+              <a:rPr lang="en-US" sz="3600" dirty="0" smtClean="0">
+                <a:solidFill>
+                  <a:schemeClr val="bg2">
+                    <a:lumMod val="75000"/>
+                  </a:schemeClr>
+                </a:solidFill>
+              </a:rPr>
+              <a:t>Wind</a:t>
+            </a:r>
+            <a:endParaRPr lang="en-US" sz="3600" dirty="0">
+              <a:solidFill>
+                <a:schemeClr val="bg2">
+                  <a:lumMod val="75000"/>
+                </a:schemeClr>
+              </a:solidFill>
+            </a:endParaRPr>
+          </a:p>
+        </p:txBody>
+      </p:sp>
+    </p:spTree>
+    <p:extLst>
+      <p:ext uri="{BB962C8B-B14F-4D97-AF65-F5344CB8AC3E}">
+        <p14:creationId xmlns:p14="http://schemas.microsoft.com/office/powerpoint/2010/main" val="3475664742"/>
+      </p:ext>
+    </p:extLst>
+  </p:cSld>
+  <p:clrMapOvr>
+    <a:masterClrMapping/>
+  </p:clrMapOvr>
+</p:sld>
+</file>
+
+<file path=ppt/slides/slide32.xml><?xml version="1.0" encoding="utf-8"?>
+<p:sld xmlns:a="http://schemas.openxmlformats.org/drawingml/2006/main" xmlns:r="http://schemas.openxmlformats.org/officeDocument/2006/relationships" xmlns:p="http://schemas.openxmlformats.org/presentationml/2006/main">
+  <p:cSld>
+    <p:spTree>
+      <p:nvGrpSpPr>
+        <p:cNvPr id="1" name=""/>
+        <p:cNvGrpSpPr/>
+        <p:nvPr/>
+      </p:nvGrpSpPr>
+      <p:grpSpPr>
+        <a:xfrm>
+          <a:off x="0" y="0"/>
+          <a:ext cx="0" cy="0"/>
+          <a:chOff x="0" y="0"/>
+          <a:chExt cx="0" cy="0"/>
+        </a:xfrm>
+      </p:grpSpPr>
+      <p:sp>
+        <p:nvSpPr>
+          <p:cNvPr id="2" name="Title 1"/>
+          <p:cNvSpPr>
+            <a:spLocks noGrp="1"/>
+          </p:cNvSpPr>
+          <p:nvPr>
+            <p:ph type="title"/>
+          </p:nvPr>
+        </p:nvSpPr>
+        <p:spPr/>
+        <p:txBody>
+          <a:bodyPr>
+            <a:normAutofit/>
+          </a:bodyPr>
+          <a:lstStyle/>
+          <a:p>
+            <a:r>
+              <a:rPr lang="en-US" sz="3600" dirty="0" smtClean="0"/>
+              <a:t>What is an </a:t>
+            </a:r>
+            <a:r>
+              <a:rPr lang="en-US" sz="3600" dirty="0" err="1" smtClean="0"/>
+              <a:t>Arridity</a:t>
+            </a:r>
+            <a:r>
+              <a:rPr lang="en-US" sz="3600" dirty="0" smtClean="0"/>
+              <a:t> Index?</a:t>
+            </a:r>
+            <a:endParaRPr lang="en-US" sz="3600" dirty="0"/>
+          </a:p>
+        </p:txBody>
+      </p:sp>
+      <p:sp>
+        <p:nvSpPr>
+          <p:cNvPr id="3" name="Content Placeholder 2"/>
+          <p:cNvSpPr>
+            <a:spLocks noGrp="1"/>
+          </p:cNvSpPr>
+          <p:nvPr>
+            <p:ph idx="1"/>
+          </p:nvPr>
+        </p:nvSpPr>
+        <p:spPr/>
+        <p:txBody>
+          <a:bodyPr/>
+          <a:lstStyle/>
+          <a:p>
+            <a:r>
+              <a:rPr lang="en-US" sz="2000" dirty="0" smtClean="0"/>
+              <a:t>Normalize a departure by its Standard Deviation (units of sigma)</a:t>
+            </a:r>
+          </a:p>
+          <a:p>
+            <a:pPr lvl="1"/>
+            <a:r>
+              <a:rPr lang="en-US" sz="1600" dirty="0" smtClean="0"/>
+              <a:t>Standard Deviation is a measure of the amount of spread/variability in the data</a:t>
+            </a:r>
+          </a:p>
+          <a:p>
+            <a:pPr lvl="1"/>
+            <a:r>
+              <a:rPr lang="en-US" sz="1600" dirty="0" smtClean="0"/>
+              <a:t>For example, a 1 inch departure during the winter is different than summer</a:t>
+            </a:r>
+          </a:p>
+          <a:p>
+            <a:pPr lvl="1"/>
+            <a:r>
+              <a:rPr lang="en-US" sz="1600" dirty="0" smtClean="0"/>
+              <a:t>Allows combination of temperature and precipitation with a common unit (sigma)</a:t>
+            </a:r>
+          </a:p>
+          <a:p>
+            <a:r>
+              <a:rPr lang="en-US" sz="2000" dirty="0" smtClean="0"/>
+              <a:t>Equation (</a:t>
+            </a:r>
+            <a:r>
+              <a:rPr lang="en-US" sz="2000" dirty="0" err="1" smtClean="0"/>
+              <a:t>Std</a:t>
+            </a:r>
+            <a:r>
+              <a:rPr lang="en-US" sz="2000" dirty="0" smtClean="0"/>
+              <a:t> High Temperature) – (</a:t>
+            </a:r>
+            <a:r>
+              <a:rPr lang="en-US" sz="2000" dirty="0" err="1" smtClean="0"/>
+              <a:t>Std</a:t>
+            </a:r>
+            <a:r>
+              <a:rPr lang="en-US" sz="2000" dirty="0" smtClean="0"/>
+              <a:t> Precipitation)</a:t>
+            </a:r>
+          </a:p>
+          <a:p>
+            <a:endParaRPr lang="en-US" sz="2000" dirty="0" smtClean="0"/>
+          </a:p>
+          <a:p>
+            <a:endParaRPr lang="en-US" sz="2000" dirty="0"/>
+          </a:p>
+        </p:txBody>
+      </p:sp>
+      <p:graphicFrame>
+        <p:nvGraphicFramePr>
+          <p:cNvPr id="6" name="Table 5"/>
+          <p:cNvGraphicFramePr>
+            <a:graphicFrameLocks noGrp="1"/>
+          </p:cNvGraphicFramePr>
+          <p:nvPr>
+            <p:extLst>
+              <p:ext uri="{D42A27DB-BD31-4B8C-83A1-F6EECF244321}">
+                <p14:modId xmlns:p14="http://schemas.microsoft.com/office/powerpoint/2010/main" val="713974053"/>
+              </p:ext>
+            </p:extLst>
+          </p:nvPr>
+        </p:nvGraphicFramePr>
+        <p:xfrm>
+          <a:off x="1066800" y="3872149"/>
+          <a:ext cx="6096000" cy="1854200"/>
+        </p:xfrm>
+        <a:graphic>
+          <a:graphicData uri="http://schemas.openxmlformats.org/drawingml/2006/table">
+            <a:tbl>
+              <a:tblPr firstRow="1" bandRow="1">
+                <a:tableStyleId>{5C22544A-7EE6-4342-B048-85BDC9FD1C3A}</a:tableStyleId>
+              </a:tblPr>
+              <a:tblGrid>
+                <a:gridCol w="2032000">
+                  <a:extLst>
+                    <a:ext uri="{9D8B030D-6E8A-4147-A177-3AD203B41FA5}">
+                      <a16:colId xmlns:a16="http://schemas.microsoft.com/office/drawing/2014/main" val="329184328"/>
+                    </a:ext>
+                  </a:extLst>
+                </a:gridCol>
+                <a:gridCol w="2032000">
+                  <a:extLst>
+                    <a:ext uri="{9D8B030D-6E8A-4147-A177-3AD203B41FA5}">
+                      <a16:colId xmlns:a16="http://schemas.microsoft.com/office/drawing/2014/main" val="812650042"/>
+                    </a:ext>
+                  </a:extLst>
+                </a:gridCol>
+                <a:gridCol w="2032000">
+                  <a:extLst>
+                    <a:ext uri="{9D8B030D-6E8A-4147-A177-3AD203B41FA5}">
+                      <a16:colId xmlns:a16="http://schemas.microsoft.com/office/drawing/2014/main" val="1400050763"/>
+                    </a:ext>
+                  </a:extLst>
+                </a:gridCol>
+              </a:tblGrid>
+              <a:tr h="370840">
+                <a:tc>
+                  <a:txBody>
+                    <a:bodyPr/>
+                    <a:lstStyle/>
+                    <a:p>
+                      <a:r>
+                        <a:rPr lang="en-US" dirty="0" smtClean="0"/>
+                        <a:t>Temperature</a:t>
+                      </a:r>
+                      <a:endParaRPr lang="en-US" dirty="0"/>
+                    </a:p>
+                  </a:txBody>
+                  <a:tcPr/>
+                </a:tc>
+                <a:tc>
+                  <a:txBody>
+                    <a:bodyPr/>
+                    <a:lstStyle/>
+                    <a:p>
+                      <a:r>
+                        <a:rPr lang="en-US" dirty="0" smtClean="0"/>
+                        <a:t>Precipitation</a:t>
+                      </a:r>
+                      <a:endParaRPr lang="en-US" dirty="0"/>
+                    </a:p>
+                  </a:txBody>
+                  <a:tcPr/>
+                </a:tc>
+                <a:tc>
+                  <a:txBody>
+                    <a:bodyPr/>
+                    <a:lstStyle/>
+                    <a:p>
+                      <a:r>
+                        <a:rPr lang="en-US" dirty="0" err="1" smtClean="0"/>
+                        <a:t>Arridity</a:t>
+                      </a:r>
+                      <a:endParaRPr lang="en-US" dirty="0"/>
+                    </a:p>
+                  </a:txBody>
+                  <a:tcPr/>
+                </a:tc>
+                <a:extLst>
+                  <a:ext uri="{0D108BD9-81ED-4DB2-BD59-A6C34878D82A}">
+                    <a16:rowId xmlns:a16="http://schemas.microsoft.com/office/drawing/2014/main" val="3193311258"/>
+                  </a:ext>
+                </a:extLst>
+              </a:tr>
+              <a:tr h="370840">
+                <a:tc>
+                  <a:txBody>
+                    <a:bodyPr/>
+                    <a:lstStyle/>
+                    <a:p>
+                      <a:r>
+                        <a:rPr lang="en-US" dirty="0" smtClean="0"/>
+                        <a:t>Very Hot (2.5)</a:t>
+                      </a:r>
+                      <a:endParaRPr lang="en-US" dirty="0"/>
+                    </a:p>
+                  </a:txBody>
+                  <a:tcPr/>
+                </a:tc>
+                <a:tc>
+                  <a:txBody>
+                    <a:bodyPr/>
+                    <a:lstStyle/>
+                    <a:p>
+                      <a:r>
+                        <a:rPr lang="en-US" dirty="0" smtClean="0"/>
+                        <a:t>Wet (1)</a:t>
+                      </a:r>
+                      <a:endParaRPr lang="en-US" dirty="0"/>
+                    </a:p>
+                  </a:txBody>
+                  <a:tcPr/>
+                </a:tc>
+                <a:tc>
+                  <a:txBody>
+                    <a:bodyPr/>
+                    <a:lstStyle/>
+                    <a:p>
+                      <a:r>
+                        <a:rPr lang="en-US" dirty="0" smtClean="0"/>
+                        <a:t>2.5</a:t>
+                      </a:r>
+                      <a:r>
+                        <a:rPr lang="en-US" baseline="0" dirty="0" smtClean="0"/>
+                        <a:t> – 1 = </a:t>
+                      </a:r>
+                      <a:r>
+                        <a:rPr lang="en-US" dirty="0" smtClean="0"/>
+                        <a:t>1.5</a:t>
+                      </a:r>
+                      <a:endParaRPr lang="en-US" dirty="0"/>
+                    </a:p>
+                  </a:txBody>
+                  <a:tcPr/>
+                </a:tc>
+                <a:extLst>
+                  <a:ext uri="{0D108BD9-81ED-4DB2-BD59-A6C34878D82A}">
+                    <a16:rowId xmlns:a16="http://schemas.microsoft.com/office/drawing/2014/main" val="4104875639"/>
+                  </a:ext>
+                </a:extLst>
+              </a:tr>
+              <a:tr h="370840">
+                <a:tc>
+                  <a:txBody>
+                    <a:bodyPr/>
+                    <a:lstStyle/>
+                    <a:p>
+                      <a:r>
+                        <a:rPr lang="en-US" dirty="0" smtClean="0"/>
+                        <a:t>Warm (1)</a:t>
+                      </a:r>
+                      <a:endParaRPr lang="en-US" dirty="0"/>
+                    </a:p>
+                  </a:txBody>
+                  <a:tcPr/>
+                </a:tc>
+                <a:tc>
+                  <a:txBody>
+                    <a:bodyPr/>
+                    <a:lstStyle/>
+                    <a:p>
+                      <a:r>
+                        <a:rPr lang="en-US" dirty="0" smtClean="0"/>
+                        <a:t>Very Dry (-2.5)</a:t>
+                      </a:r>
+                      <a:endParaRPr lang="en-US" dirty="0"/>
+                    </a:p>
+                  </a:txBody>
+                  <a:tcPr/>
+                </a:tc>
+                <a:tc>
+                  <a:txBody>
+                    <a:bodyPr/>
+                    <a:lstStyle/>
+                    <a:p>
+                      <a:r>
+                        <a:rPr lang="en-US" dirty="0" smtClean="0"/>
+                        <a:t>1 - -2.5</a:t>
+                      </a:r>
+                      <a:r>
+                        <a:rPr lang="en-US" baseline="0" dirty="0" smtClean="0"/>
+                        <a:t> = 3.5</a:t>
+                      </a:r>
+                      <a:endParaRPr lang="en-US" dirty="0"/>
+                    </a:p>
+                  </a:txBody>
+                  <a:tcPr/>
+                </a:tc>
+                <a:extLst>
+                  <a:ext uri="{0D108BD9-81ED-4DB2-BD59-A6C34878D82A}">
+                    <a16:rowId xmlns:a16="http://schemas.microsoft.com/office/drawing/2014/main" val="1281802117"/>
+                  </a:ext>
+                </a:extLst>
+              </a:tr>
+              <a:tr h="370840">
+                <a:tc>
+                  <a:txBody>
+                    <a:bodyPr/>
+                    <a:lstStyle/>
+                    <a:p>
+                      <a:r>
+                        <a:rPr lang="en-US" dirty="0" smtClean="0"/>
+                        <a:t>Cold (-1)</a:t>
+                      </a:r>
+                      <a:endParaRPr lang="en-US" dirty="0"/>
+                    </a:p>
+                  </a:txBody>
+                  <a:tcPr/>
+                </a:tc>
+                <a:tc>
+                  <a:txBody>
+                    <a:bodyPr/>
+                    <a:lstStyle/>
+                    <a:p>
+                      <a:r>
+                        <a:rPr lang="en-US" dirty="0" smtClean="0"/>
+                        <a:t>Wet (1)</a:t>
+                      </a:r>
+                      <a:endParaRPr lang="en-US" dirty="0"/>
+                    </a:p>
+                  </a:txBody>
+                  <a:tcPr/>
+                </a:tc>
+                <a:tc>
+                  <a:txBody>
+                    <a:bodyPr/>
+                    <a:lstStyle/>
+                    <a:p>
+                      <a:r>
+                        <a:rPr lang="en-US" dirty="0" smtClean="0"/>
+                        <a:t>-1 – 1 = -2</a:t>
+                      </a:r>
+                      <a:endParaRPr lang="en-US" dirty="0"/>
+                    </a:p>
+                  </a:txBody>
+                  <a:tcPr/>
+                </a:tc>
+                <a:extLst>
+                  <a:ext uri="{0D108BD9-81ED-4DB2-BD59-A6C34878D82A}">
+                    <a16:rowId xmlns:a16="http://schemas.microsoft.com/office/drawing/2014/main" val="996480554"/>
+                  </a:ext>
+                </a:extLst>
+              </a:tr>
+              <a:tr h="370840">
+                <a:tc>
+                  <a:txBody>
+                    <a:bodyPr/>
+                    <a:lstStyle/>
+                    <a:p>
+                      <a:r>
+                        <a:rPr lang="en-US" dirty="0" smtClean="0"/>
+                        <a:t>Very Cold (-2.5)</a:t>
+                      </a:r>
+                      <a:endParaRPr lang="en-US" dirty="0"/>
+                    </a:p>
+                  </a:txBody>
+                  <a:tcPr/>
+                </a:tc>
+                <a:tc>
+                  <a:txBody>
+                    <a:bodyPr/>
+                    <a:lstStyle/>
+                    <a:p>
+                      <a:r>
+                        <a:rPr lang="en-US" dirty="0" smtClean="0"/>
+                        <a:t>Very</a:t>
+                      </a:r>
+                      <a:r>
+                        <a:rPr lang="en-US" baseline="0" dirty="0" smtClean="0"/>
+                        <a:t> Dry (-2.5)</a:t>
+                      </a:r>
+                      <a:endParaRPr lang="en-US" dirty="0"/>
+                    </a:p>
+                  </a:txBody>
+                  <a:tcPr/>
+                </a:tc>
+                <a:tc>
+                  <a:txBody>
+                    <a:bodyPr/>
+                    <a:lstStyle/>
+                    <a:p>
+                      <a:r>
+                        <a:rPr lang="en-US" dirty="0" smtClean="0"/>
+                        <a:t>-2.5 - -2.5 = 0</a:t>
+                      </a:r>
+                      <a:endParaRPr lang="en-US" dirty="0"/>
+                    </a:p>
+                  </a:txBody>
+                  <a:tcPr/>
+                </a:tc>
+                <a:extLst>
+                  <a:ext uri="{0D108BD9-81ED-4DB2-BD59-A6C34878D82A}">
+                    <a16:rowId xmlns:a16="http://schemas.microsoft.com/office/drawing/2014/main" val="4253454366"/>
+                  </a:ext>
+                </a:extLst>
+              </a:tr>
+            </a:tbl>
+          </a:graphicData>
+        </a:graphic>
+      </p:graphicFrame>
+    </p:spTree>
+    <p:extLst>
+      <p:ext uri="{BB962C8B-B14F-4D97-AF65-F5344CB8AC3E}">
+        <p14:creationId xmlns:p14="http://schemas.microsoft.com/office/powerpoint/2010/main" val="1275862382"/>
+      </p:ext>
+    </p:extLst>
+  </p:cSld>
+  <p:clrMapOvr>
+    <a:masterClrMapping/>
+  </p:clrMapOvr>
+</p:sld>
+</file>
+
+<file path=ppt/slides/slide33.xml><?xml version="1.0" encoding="utf-8"?>
+<p:sld xmlns:a="http://schemas.openxmlformats.org/drawingml/2006/main" xmlns:r="http://schemas.openxmlformats.org/officeDocument/2006/relationships" xmlns:p="http://schemas.openxmlformats.org/presentationml/2006/main">
+  <p:cSld>
+    <p:spTree>
+      <p:nvGrpSpPr>
+        <p:cNvPr id="1" name=""/>
+        <p:cNvGrpSpPr/>
+        <p:nvPr/>
+      </p:nvGrpSpPr>
+      <p:grpSpPr>
+        <a:xfrm>
+          <a:off x="0" y="0"/>
+          <a:ext cx="0" cy="0"/>
+          <a:chOff x="0" y="0"/>
+          <a:chExt cx="0" cy="0"/>
+        </a:xfrm>
+      </p:grpSpPr>
+      <p:pic>
+        <p:nvPicPr>
+          <p:cNvPr id="7" name="Content Placeholder 6"/>
+          <p:cNvPicPr>
+            <a:picLocks noGrp="1" noChangeAspect="1"/>
+          </p:cNvPicPr>
+          <p:nvPr>
+            <p:ph idx="1"/>
+          </p:nvPr>
+        </p:nvPicPr>
+        <p:blipFill>
+          <a:blip r:embed="rId2">
+            <a:extLst>
+              <a:ext uri="{28A0092B-C50C-407E-A947-70E740481C1C}">
+                <a14:useLocalDpi xmlns:a14="http://schemas.microsoft.com/office/drawing/2010/main" val="0"/>
+              </a:ext>
+            </a:extLst>
+          </a:blip>
+          <a:stretch>
+            <a:fillRect/>
+          </a:stretch>
+        </p:blipFill>
+        <p:spPr>
+          <a:xfrm>
+            <a:off x="125225" y="-8238"/>
+            <a:ext cx="9006416" cy="6754812"/>
+          </a:xfrm>
+        </p:spPr>
+      </p:pic>
+      <p:sp>
+        <p:nvSpPr>
+          <p:cNvPr id="8" name="Rounded Rectangle 7"/>
+          <p:cNvSpPr/>
+          <p:nvPr/>
+        </p:nvSpPr>
+        <p:spPr>
+          <a:xfrm>
+            <a:off x="7086600" y="6477000"/>
+            <a:ext cx="2045043" cy="381000"/>
+          </a:xfrm>
+          <a:prstGeom prst="roundRect">
+            <a:avLst/>
+          </a:prstGeom>
+          <a:noFill/>
+          <a:ln>
+            <a:solidFill>
+              <a:schemeClr val="accent2"/>
+            </a:solidFill>
+          </a:ln>
+        </p:spPr>
+        <p:style>
+          <a:lnRef idx="2">
+            <a:schemeClr val="accent1">
+              <a:shade val="50000"/>
+            </a:schemeClr>
+          </a:lnRef>
+          <a:fillRef idx="1">
+            <a:schemeClr val="accent1"/>
+          </a:fillRef>
+          <a:effectRef idx="0">
+            <a:schemeClr val="accent1"/>
+          </a:effectRef>
+          <a:fontRef idx="minor">
+            <a:schemeClr val="lt1"/>
+          </a:fontRef>
+        </p:style>
+        <p:txBody>
+          <a:bodyPr rtlCol="0" anchor="ctr"/>
+          <a:lstStyle/>
+          <a:p>
+            <a:pPr algn="ctr"/>
+            <a:endParaRPr lang="en-US"/>
+          </a:p>
+        </p:txBody>
+      </p:sp>
+      <p:sp>
+        <p:nvSpPr>
+          <p:cNvPr id="11" name="TextBox 10"/>
+          <p:cNvSpPr txBox="1"/>
+          <p:nvPr/>
+        </p:nvSpPr>
+        <p:spPr>
+          <a:xfrm>
+            <a:off x="533400" y="76200"/>
+            <a:ext cx="1048236" cy="369332"/>
+          </a:xfrm>
+          <a:prstGeom prst="rect">
+            <a:avLst/>
+          </a:prstGeom>
+          <a:noFill/>
+        </p:spPr>
+        <p:txBody>
+          <a:bodyPr wrap="none" rtlCol="0">
+            <a:spAutoFit/>
+          </a:bodyPr>
+          <a:lstStyle/>
+          <a:p>
+            <a:r>
+              <a:rPr lang="en-US" dirty="0" smtClean="0">
+                <a:hlinkClick r:id="rId3"/>
+              </a:rPr>
+              <a:t>Web Link</a:t>
+            </a:r>
+            <a:endParaRPr lang="en-US" dirty="0"/>
+          </a:p>
+        </p:txBody>
+      </p:sp>
+      <p:sp>
+        <p:nvSpPr>
+          <p:cNvPr id="5" name="Rounded Rectangle 4"/>
+          <p:cNvSpPr/>
+          <p:nvPr/>
+        </p:nvSpPr>
+        <p:spPr>
+          <a:xfrm>
+            <a:off x="1828800" y="990600"/>
+            <a:ext cx="1524000" cy="3962399"/>
+          </a:xfrm>
+          <a:prstGeom prst="roundRect">
+            <a:avLst/>
+          </a:prstGeom>
+          <a:noFill/>
+          <a:ln w="57150">
+            <a:solidFill>
+              <a:schemeClr val="accent4"/>
+            </a:solidFill>
+          </a:ln>
+        </p:spPr>
+        <p:style>
+          <a:lnRef idx="2">
+            <a:schemeClr val="accent1">
+              <a:shade val="50000"/>
+            </a:schemeClr>
+          </a:lnRef>
+          <a:fillRef idx="1">
+            <a:schemeClr val="accent1"/>
+          </a:fillRef>
+          <a:effectRef idx="0">
+            <a:schemeClr val="accent1"/>
+          </a:effectRef>
+          <a:fontRef idx="minor">
+            <a:schemeClr val="lt1"/>
+          </a:fontRef>
+        </p:style>
+        <p:txBody>
+          <a:bodyPr rtlCol="0" anchor="ctr"/>
+          <a:lstStyle/>
+          <a:p>
+            <a:pPr algn="ctr"/>
+            <a:endParaRPr lang="en-US"/>
+          </a:p>
+        </p:txBody>
+      </p:sp>
+    </p:spTree>
+    <p:extLst>
+      <p:ext uri="{BB962C8B-B14F-4D97-AF65-F5344CB8AC3E}">
+        <p14:creationId xmlns:p14="http://schemas.microsoft.com/office/powerpoint/2010/main" val="4204164839"/>
+      </p:ext>
+    </p:extLst>
+  </p:cSld>
+  <p:clrMapOvr>
+    <a:masterClrMapping/>
+  </p:clrMapOvr>
+</p:sld>
+</file>
+
+<file path=ppt/slides/slide34.xml><?xml version="1.0" encoding="utf-8"?>
+<p:sld xmlns:a="http://schemas.openxmlformats.org/drawingml/2006/main" xmlns:r="http://schemas.openxmlformats.org/officeDocument/2006/relationships" xmlns:p="http://schemas.openxmlformats.org/presentationml/2006/main">
+  <p:cSld>
+    <p:spTree>
+      <p:nvGrpSpPr>
+        <p:cNvPr id="1" name=""/>
+        <p:cNvGrpSpPr/>
+        <p:nvPr/>
+      </p:nvGrpSpPr>
+      <p:grpSpPr>
+        <a:xfrm>
+          <a:off x="0" y="0"/>
+          <a:ext cx="0" cy="0"/>
+          <a:chOff x="0" y="0"/>
+          <a:chExt cx="0" cy="0"/>
+        </a:xfrm>
+      </p:grpSpPr>
+      <p:pic>
+        <p:nvPicPr>
+          <p:cNvPr id="7" name="Content Placeholder 6"/>
+          <p:cNvPicPr>
+            <a:picLocks noGrp="1" noChangeAspect="1"/>
+          </p:cNvPicPr>
+          <p:nvPr>
+            <p:ph idx="1"/>
+          </p:nvPr>
+        </p:nvPicPr>
+        <p:blipFill>
+          <a:blip r:embed="rId2">
+            <a:extLst>
+              <a:ext uri="{28A0092B-C50C-407E-A947-70E740481C1C}">
+                <a14:useLocalDpi xmlns:a14="http://schemas.microsoft.com/office/drawing/2010/main" val="0"/>
+              </a:ext>
+            </a:extLst>
+          </a:blip>
+          <a:stretch>
+            <a:fillRect/>
+          </a:stretch>
+        </p:blipFill>
+        <p:spPr>
+          <a:xfrm>
+            <a:off x="125225" y="-8238"/>
+            <a:ext cx="9006416" cy="6754811"/>
+          </a:xfrm>
+        </p:spPr>
+      </p:pic>
+      <p:sp>
+        <p:nvSpPr>
+          <p:cNvPr id="8" name="Rounded Rectangle 7"/>
+          <p:cNvSpPr/>
+          <p:nvPr/>
+        </p:nvSpPr>
+        <p:spPr>
+          <a:xfrm>
+            <a:off x="7086600" y="6400800"/>
+            <a:ext cx="2045043" cy="381000"/>
+          </a:xfrm>
+          <a:prstGeom prst="roundRect">
+            <a:avLst/>
+          </a:prstGeom>
+          <a:noFill/>
+          <a:ln>
+            <a:solidFill>
+              <a:schemeClr val="accent2"/>
+            </a:solidFill>
+          </a:ln>
+        </p:spPr>
+        <p:style>
+          <a:lnRef idx="2">
+            <a:schemeClr val="accent1">
+              <a:shade val="50000"/>
+            </a:schemeClr>
+          </a:lnRef>
+          <a:fillRef idx="1">
+            <a:schemeClr val="accent1"/>
+          </a:fillRef>
+          <a:effectRef idx="0">
+            <a:schemeClr val="accent1"/>
+          </a:effectRef>
+          <a:fontRef idx="minor">
+            <a:schemeClr val="lt1"/>
+          </a:fontRef>
+        </p:style>
+        <p:txBody>
+          <a:bodyPr rtlCol="0" anchor="ctr"/>
+          <a:lstStyle/>
+          <a:p>
+            <a:pPr algn="ctr"/>
+            <a:endParaRPr lang="en-US"/>
+          </a:p>
+        </p:txBody>
+      </p:sp>
+      <p:sp>
+        <p:nvSpPr>
+          <p:cNvPr id="11" name="TextBox 10"/>
+          <p:cNvSpPr txBox="1"/>
+          <p:nvPr/>
+        </p:nvSpPr>
+        <p:spPr>
+          <a:xfrm>
+            <a:off x="7772400" y="152400"/>
+            <a:ext cx="1048236" cy="369332"/>
+          </a:xfrm>
+          <a:prstGeom prst="rect">
+            <a:avLst/>
+          </a:prstGeom>
+          <a:noFill/>
+        </p:spPr>
+        <p:txBody>
+          <a:bodyPr wrap="none" rtlCol="0">
+            <a:spAutoFit/>
+          </a:bodyPr>
+          <a:lstStyle/>
+          <a:p>
+            <a:r>
+              <a:rPr lang="en-US" dirty="0" smtClean="0">
+                <a:hlinkClick r:id="rId3"/>
+              </a:rPr>
+              <a:t>Web Link</a:t>
+            </a:r>
+            <a:endParaRPr lang="en-US" dirty="0"/>
+          </a:p>
+        </p:txBody>
+      </p:sp>
+    </p:spTree>
+    <p:extLst>
+      <p:ext uri="{BB962C8B-B14F-4D97-AF65-F5344CB8AC3E}">
+        <p14:creationId xmlns:p14="http://schemas.microsoft.com/office/powerpoint/2010/main" val="3648416320"/>
+      </p:ext>
+    </p:extLst>
+  </p:cSld>
+  <p:clrMapOvr>
+    <a:masterClrMapping/>
+  </p:clrMapOvr>
+</p:sld>
+</file>
+
+<file path=ppt/slides/slide35.xml><?xml version="1.0" encoding="utf-8"?>
+<p:sld xmlns:a="http://schemas.openxmlformats.org/drawingml/2006/main" xmlns:r="http://schemas.openxmlformats.org/officeDocument/2006/relationships" xmlns:p="http://schemas.openxmlformats.org/presentationml/2006/main">
+  <p:cSld>
+    <p:spTree>
+      <p:nvGrpSpPr>
+        <p:cNvPr id="1" name=""/>
+        <p:cNvGrpSpPr/>
+        <p:nvPr/>
+      </p:nvGrpSpPr>
+      <p:grpSpPr>
+        <a:xfrm>
+          <a:off x="0" y="0"/>
+          <a:ext cx="0" cy="0"/>
+          <a:chOff x="0" y="0"/>
+          <a:chExt cx="0" cy="0"/>
+        </a:xfrm>
+      </p:grpSpPr>
+      <p:pic>
+        <p:nvPicPr>
+          <p:cNvPr id="7" name="Content Placeholder 6"/>
+          <p:cNvPicPr>
+            <a:picLocks noGrp="1" noChangeAspect="1"/>
+          </p:cNvPicPr>
+          <p:nvPr>
+            <p:ph idx="1"/>
+          </p:nvPr>
+        </p:nvPicPr>
+        <p:blipFill>
+          <a:blip r:embed="rId2">
+            <a:extLst>
+              <a:ext uri="{28A0092B-C50C-407E-A947-70E740481C1C}">
+                <a14:useLocalDpi xmlns:a14="http://schemas.microsoft.com/office/drawing/2010/main" val="0"/>
+              </a:ext>
+            </a:extLst>
+          </a:blip>
+          <a:stretch>
+            <a:fillRect/>
+          </a:stretch>
+        </p:blipFill>
+        <p:spPr>
+          <a:xfrm>
+            <a:off x="125225" y="-8238"/>
+            <a:ext cx="9006416" cy="6754812"/>
+          </a:xfrm>
+        </p:spPr>
+      </p:pic>
+      <p:sp>
+        <p:nvSpPr>
+          <p:cNvPr id="8" name="Rounded Rectangle 7"/>
+          <p:cNvSpPr/>
+          <p:nvPr/>
+        </p:nvSpPr>
+        <p:spPr>
+          <a:xfrm>
+            <a:off x="7086600" y="6477000"/>
+            <a:ext cx="2045043" cy="381000"/>
+          </a:xfrm>
+          <a:prstGeom prst="roundRect">
+            <a:avLst/>
+          </a:prstGeom>
+          <a:noFill/>
+          <a:ln>
+            <a:solidFill>
+              <a:schemeClr val="accent2"/>
+            </a:solidFill>
+          </a:ln>
+        </p:spPr>
+        <p:style>
+          <a:lnRef idx="2">
+            <a:schemeClr val="accent1">
+              <a:shade val="50000"/>
+            </a:schemeClr>
+          </a:lnRef>
+          <a:fillRef idx="1">
+            <a:schemeClr val="accent1"/>
+          </a:fillRef>
+          <a:effectRef idx="0">
+            <a:schemeClr val="accent1"/>
+          </a:effectRef>
+          <a:fontRef idx="minor">
+            <a:schemeClr val="lt1"/>
+          </a:fontRef>
+        </p:style>
+        <p:txBody>
+          <a:bodyPr rtlCol="0" anchor="ctr"/>
+          <a:lstStyle/>
+          <a:p>
+            <a:pPr algn="ctr"/>
+            <a:endParaRPr lang="en-US"/>
+          </a:p>
+        </p:txBody>
+      </p:sp>
+      <p:sp>
+        <p:nvSpPr>
+          <p:cNvPr id="11" name="TextBox 10"/>
+          <p:cNvSpPr txBox="1"/>
+          <p:nvPr/>
+        </p:nvSpPr>
+        <p:spPr>
+          <a:xfrm>
+            <a:off x="533400" y="76200"/>
+            <a:ext cx="1048236" cy="369332"/>
+          </a:xfrm>
+          <a:prstGeom prst="rect">
+            <a:avLst/>
+          </a:prstGeom>
+          <a:noFill/>
+        </p:spPr>
+        <p:txBody>
+          <a:bodyPr wrap="none" rtlCol="0">
+            <a:spAutoFit/>
+          </a:bodyPr>
+          <a:lstStyle/>
+          <a:p>
+            <a:r>
+              <a:rPr lang="en-US" dirty="0" smtClean="0">
+                <a:hlinkClick r:id="rId3"/>
+              </a:rPr>
+              <a:t>Web Link</a:t>
+            </a:r>
+            <a:endParaRPr lang="en-US" dirty="0"/>
+          </a:p>
+        </p:txBody>
+      </p:sp>
+      <p:sp>
+        <p:nvSpPr>
+          <p:cNvPr id="5" name="Rounded Rectangle 4"/>
+          <p:cNvSpPr/>
+          <p:nvPr/>
+        </p:nvSpPr>
+        <p:spPr>
+          <a:xfrm>
+            <a:off x="4628433" y="3733800"/>
+            <a:ext cx="914400" cy="1219199"/>
+          </a:xfrm>
+          <a:prstGeom prst="roundRect">
+            <a:avLst/>
+          </a:prstGeom>
+          <a:noFill/>
+          <a:ln w="57150">
+            <a:solidFill>
+              <a:schemeClr val="accent4"/>
+            </a:solidFill>
+          </a:ln>
+        </p:spPr>
+        <p:style>
+          <a:lnRef idx="2">
+            <a:schemeClr val="accent1">
+              <a:shade val="50000"/>
+            </a:schemeClr>
+          </a:lnRef>
+          <a:fillRef idx="1">
+            <a:schemeClr val="accent1"/>
+          </a:fillRef>
+          <a:effectRef idx="0">
+            <a:schemeClr val="accent1"/>
+          </a:effectRef>
+          <a:fontRef idx="minor">
+            <a:schemeClr val="lt1"/>
+          </a:fontRef>
+        </p:style>
+        <p:txBody>
+          <a:bodyPr rtlCol="0" anchor="ctr"/>
+          <a:lstStyle/>
+          <a:p>
+            <a:pPr algn="ctr"/>
+            <a:endParaRPr lang="en-US"/>
+          </a:p>
+        </p:txBody>
+      </p:sp>
+      <p:sp>
+        <p:nvSpPr>
+          <p:cNvPr id="6" name="Rounded Rectangle 5"/>
+          <p:cNvSpPr/>
+          <p:nvPr/>
+        </p:nvSpPr>
+        <p:spPr>
+          <a:xfrm>
+            <a:off x="7651921" y="3358871"/>
+            <a:ext cx="914400" cy="1219199"/>
+          </a:xfrm>
+          <a:prstGeom prst="roundRect">
+            <a:avLst/>
+          </a:prstGeom>
+          <a:noFill/>
+          <a:ln w="57150">
+            <a:solidFill>
+              <a:schemeClr val="accent4"/>
+            </a:solidFill>
+          </a:ln>
+        </p:spPr>
+        <p:style>
+          <a:lnRef idx="2">
+            <a:schemeClr val="accent1">
+              <a:shade val="50000"/>
+            </a:schemeClr>
+          </a:lnRef>
+          <a:fillRef idx="1">
+            <a:schemeClr val="accent1"/>
+          </a:fillRef>
+          <a:effectRef idx="0">
+            <a:schemeClr val="accent1"/>
+          </a:effectRef>
+          <a:fontRef idx="minor">
+            <a:schemeClr val="lt1"/>
+          </a:fontRef>
+        </p:style>
+        <p:txBody>
+          <a:bodyPr rtlCol="0" anchor="ctr"/>
+          <a:lstStyle/>
+          <a:p>
+            <a:pPr algn="ctr"/>
+            <a:endParaRPr lang="en-US"/>
+          </a:p>
+        </p:txBody>
+      </p:sp>
+    </p:spTree>
+    <p:extLst>
+      <p:ext uri="{BB962C8B-B14F-4D97-AF65-F5344CB8AC3E}">
+        <p14:creationId xmlns:p14="http://schemas.microsoft.com/office/powerpoint/2010/main" val="2261806794"/>
+      </p:ext>
+    </p:extLst>
+  </p:cSld>
+  <p:clrMapOvr>
+    <a:masterClrMapping/>
+  </p:clrMapOvr>
+</p:sld>
+</file>
+
+<file path=ppt/slides/slide36.xml><?xml version="1.0" encoding="utf-8"?>
+<p:sld xmlns:a="http://schemas.openxmlformats.org/drawingml/2006/main" xmlns:r="http://schemas.openxmlformats.org/officeDocument/2006/relationships" xmlns:p="http://schemas.openxmlformats.org/presentationml/2006/main">
+  <p:cSld>
+    <p:spTree>
+      <p:nvGrpSpPr>
+        <p:cNvPr id="1" name=""/>
+        <p:cNvGrpSpPr/>
+        <p:nvPr/>
+      </p:nvGrpSpPr>
+      <p:grpSpPr>
+        <a:xfrm>
+          <a:off x="0" y="0"/>
+          <a:ext cx="0" cy="0"/>
+          <a:chOff x="0" y="0"/>
+          <a:chExt cx="0" cy="0"/>
+        </a:xfrm>
+      </p:grpSpPr>
+      <p:pic>
+        <p:nvPicPr>
+          <p:cNvPr id="7" name="Content Placeholder 6"/>
+          <p:cNvPicPr>
+            <a:picLocks noGrp="1" noChangeAspect="1"/>
+          </p:cNvPicPr>
+          <p:nvPr>
+            <p:ph idx="1"/>
+          </p:nvPr>
+        </p:nvPicPr>
+        <p:blipFill>
+          <a:blip r:embed="rId2">
+            <a:extLst>
+              <a:ext uri="{28A0092B-C50C-407E-A947-70E740481C1C}">
+                <a14:useLocalDpi xmlns:a14="http://schemas.microsoft.com/office/drawing/2010/main" val="0"/>
+              </a:ext>
+            </a:extLst>
+          </a:blip>
+          <a:stretch>
+            <a:fillRect/>
+          </a:stretch>
+        </p:blipFill>
+        <p:spPr>
+          <a:xfrm>
+            <a:off x="125225" y="-8238"/>
+            <a:ext cx="9006416" cy="6754812"/>
+          </a:xfrm>
+        </p:spPr>
+      </p:pic>
+      <p:sp>
+        <p:nvSpPr>
+          <p:cNvPr id="8" name="Rounded Rectangle 7"/>
+          <p:cNvSpPr/>
+          <p:nvPr/>
+        </p:nvSpPr>
+        <p:spPr>
+          <a:xfrm>
+            <a:off x="7086600" y="6477000"/>
+            <a:ext cx="2045043" cy="381000"/>
+          </a:xfrm>
+          <a:prstGeom prst="roundRect">
+            <a:avLst/>
+          </a:prstGeom>
+          <a:noFill/>
+          <a:ln>
+            <a:solidFill>
+              <a:schemeClr val="accent2"/>
+            </a:solidFill>
+          </a:ln>
+        </p:spPr>
+        <p:style>
+          <a:lnRef idx="2">
+            <a:schemeClr val="accent1">
+              <a:shade val="50000"/>
+            </a:schemeClr>
+          </a:lnRef>
+          <a:fillRef idx="1">
+            <a:schemeClr val="accent1"/>
+          </a:fillRef>
+          <a:effectRef idx="0">
+            <a:schemeClr val="accent1"/>
+          </a:effectRef>
+          <a:fontRef idx="minor">
+            <a:schemeClr val="lt1"/>
+          </a:fontRef>
+        </p:style>
+        <p:txBody>
+          <a:bodyPr rtlCol="0" anchor="ctr"/>
+          <a:lstStyle/>
+          <a:p>
+            <a:pPr algn="ctr"/>
+            <a:endParaRPr lang="en-US"/>
+          </a:p>
+        </p:txBody>
+      </p:sp>
+      <p:sp>
+        <p:nvSpPr>
+          <p:cNvPr id="11" name="TextBox 10"/>
+          <p:cNvSpPr txBox="1"/>
+          <p:nvPr/>
+        </p:nvSpPr>
+        <p:spPr>
+          <a:xfrm>
+            <a:off x="533400" y="76200"/>
+            <a:ext cx="1048236" cy="369332"/>
+          </a:xfrm>
+          <a:prstGeom prst="rect">
+            <a:avLst/>
+          </a:prstGeom>
+          <a:noFill/>
+        </p:spPr>
+        <p:txBody>
+          <a:bodyPr wrap="none" rtlCol="0">
+            <a:spAutoFit/>
+          </a:bodyPr>
+          <a:lstStyle/>
+          <a:p>
+            <a:r>
+              <a:rPr lang="en-US" dirty="0" smtClean="0">
+                <a:hlinkClick r:id="rId3"/>
+              </a:rPr>
+              <a:t>Web Link</a:t>
+            </a:r>
+            <a:endParaRPr lang="en-US" dirty="0"/>
+          </a:p>
+        </p:txBody>
+      </p:sp>
+    </p:spTree>
+    <p:extLst>
+      <p:ext uri="{BB962C8B-B14F-4D97-AF65-F5344CB8AC3E}">
+        <p14:creationId xmlns:p14="http://schemas.microsoft.com/office/powerpoint/2010/main" val="1859426769"/>
+      </p:ext>
+    </p:extLst>
+  </p:cSld>
+  <p:clrMapOvr>
+    <a:masterClrMapping/>
+  </p:clrMapOvr>
+</p:sld>
+</file>
+
+<file path=ppt/slides/slide37.xml><?xml version="1.0" encoding="utf-8"?>
+<p:sld xmlns:a="http://schemas.openxmlformats.org/drawingml/2006/main" xmlns:r="http://schemas.openxmlformats.org/officeDocument/2006/relationships" xmlns:p="http://schemas.openxmlformats.org/presentationml/2006/main">
+  <p:cSld>
+    <p:spTree>
+      <p:nvGrpSpPr>
+        <p:cNvPr id="1" name=""/>
+        <p:cNvGrpSpPr/>
+        <p:nvPr/>
+      </p:nvGrpSpPr>
+      <p:grpSpPr>
+        <a:xfrm>
+          <a:off x="0" y="0"/>
+          <a:ext cx="0" cy="0"/>
+          <a:chOff x="0" y="0"/>
+          <a:chExt cx="0" cy="0"/>
+        </a:xfrm>
+      </p:grpSpPr>
+      <p:sp>
+        <p:nvSpPr>
+          <p:cNvPr id="4" name="Title 3"/>
+          <p:cNvSpPr>
+            <a:spLocks noGrp="1"/>
+          </p:cNvSpPr>
+          <p:nvPr>
+            <p:ph type="title"/>
+          </p:nvPr>
+        </p:nvSpPr>
+        <p:spPr/>
+        <p:txBody>
+          <a:bodyPr>
+            <a:normAutofit fontScale="90000"/>
+          </a:bodyPr>
+          <a:lstStyle/>
+          <a:p>
             <a:r>
               <a:rPr lang="en-US" dirty="0" smtClean="0"/>
-              <a:t>?</a:t>
-            </a:r>
-            <a:br>
+              <a:t>Some Weather Variables to Monitor</a:t>
+            </a:r>
+            <a:endParaRPr lang="en-US" dirty="0"/>
+          </a:p>
+        </p:txBody>
+      </p:sp>
+      <p:sp>
+        <p:nvSpPr>
+          <p:cNvPr id="5" name="TextBox 4"/>
+          <p:cNvSpPr txBox="1"/>
+          <p:nvPr/>
+        </p:nvSpPr>
+        <p:spPr>
+          <a:xfrm>
+            <a:off x="1676400" y="2133600"/>
+            <a:ext cx="5232458" cy="2862322"/>
+          </a:xfrm>
+          <a:prstGeom prst="rect">
+            <a:avLst/>
+          </a:prstGeom>
+          <a:noFill/>
+        </p:spPr>
+        <p:txBody>
+          <a:bodyPr wrap="none" rtlCol="0">
+            <a:spAutoFit/>
+          </a:bodyPr>
+          <a:lstStyle/>
+          <a:p>
+            <a:r>
+              <a:rPr lang="en-US" sz="3600" dirty="0" smtClean="0">
+                <a:solidFill>
+                  <a:schemeClr val="bg2">
+                    <a:lumMod val="75000"/>
+                  </a:schemeClr>
+                </a:solidFill>
+              </a:rPr>
+              <a:t>Growing Degree Days</a:t>
+            </a:r>
+          </a:p>
+          <a:p>
+            <a:r>
+              <a:rPr lang="en-US" sz="3600" dirty="0" smtClean="0">
+                <a:solidFill>
+                  <a:schemeClr val="bg2">
+                    <a:lumMod val="75000"/>
+                  </a:schemeClr>
+                </a:solidFill>
+              </a:rPr>
+              <a:t>Temperatures</a:t>
+            </a:r>
+          </a:p>
+          <a:p>
+            <a:r>
+              <a:rPr lang="en-US" sz="3600" dirty="0" smtClean="0">
+                <a:solidFill>
+                  <a:schemeClr val="bg2">
+                    <a:lumMod val="75000"/>
+                  </a:schemeClr>
+                </a:solidFill>
+              </a:rPr>
+              <a:t>Soil Moisture/Temperature</a:t>
+            </a:r>
+          </a:p>
+          <a:p>
+            <a:r>
+              <a:rPr lang="en-US" sz="3600" dirty="0" smtClean="0">
+                <a:solidFill>
+                  <a:schemeClr val="bg2">
+                    <a:lumMod val="75000"/>
+                  </a:schemeClr>
+                </a:solidFill>
+              </a:rPr>
+              <a:t>Precipitation</a:t>
+            </a:r>
+          </a:p>
+          <a:p>
+            <a:r>
+              <a:rPr lang="en-US" sz="3600" dirty="0" smtClean="0"/>
+              <a:t>Wind</a:t>
+            </a:r>
+            <a:endParaRPr lang="en-US" sz="3600" dirty="0"/>
+          </a:p>
+        </p:txBody>
+      </p:sp>
+    </p:spTree>
+    <p:extLst>
+      <p:ext uri="{BB962C8B-B14F-4D97-AF65-F5344CB8AC3E}">
+        <p14:creationId xmlns:p14="http://schemas.microsoft.com/office/powerpoint/2010/main" val="1994130059"/>
+      </p:ext>
+    </p:extLst>
+  </p:cSld>
+  <p:clrMapOvr>
+    <a:masterClrMapping/>
+  </p:clrMapOvr>
+</p:sld>
+</file>
+
+<file path=ppt/slides/slide38.xml><?xml version="1.0" encoding="utf-8"?>
+<p:sld xmlns:a="http://schemas.openxmlformats.org/drawingml/2006/main" xmlns:r="http://schemas.openxmlformats.org/officeDocument/2006/relationships" xmlns:p="http://schemas.openxmlformats.org/presentationml/2006/main">
+  <p:cSld>
+    <p:spTree>
+      <p:nvGrpSpPr>
+        <p:cNvPr id="1" name=""/>
+        <p:cNvGrpSpPr/>
+        <p:nvPr/>
+      </p:nvGrpSpPr>
+      <p:grpSpPr>
+        <a:xfrm>
+          <a:off x="0" y="0"/>
+          <a:ext cx="0" cy="0"/>
+          <a:chOff x="0" y="0"/>
+          <a:chExt cx="0" cy="0"/>
+        </a:xfrm>
+      </p:grpSpPr>
+      <p:pic>
+        <p:nvPicPr>
+          <p:cNvPr id="7" name="Content Placeholder 6"/>
+          <p:cNvPicPr>
+            <a:picLocks noGrp="1" noChangeAspect="1"/>
+          </p:cNvPicPr>
+          <p:nvPr>
+            <p:ph idx="1"/>
+          </p:nvPr>
+        </p:nvPicPr>
+        <p:blipFill>
+          <a:blip r:embed="rId2">
+            <a:extLst>
+              <a:ext uri="{28A0092B-C50C-407E-A947-70E740481C1C}">
+                <a14:useLocalDpi xmlns:a14="http://schemas.microsoft.com/office/drawing/2010/main" val="0"/>
+              </a:ext>
+            </a:extLst>
+          </a:blip>
+          <a:stretch>
+            <a:fillRect/>
+          </a:stretch>
+        </p:blipFill>
+        <p:spPr>
+          <a:xfrm>
+            <a:off x="125225" y="-8238"/>
+            <a:ext cx="9006416" cy="6754812"/>
+          </a:xfrm>
+        </p:spPr>
+      </p:pic>
+      <p:sp>
+        <p:nvSpPr>
+          <p:cNvPr id="8" name="Rounded Rectangle 7"/>
+          <p:cNvSpPr/>
+          <p:nvPr/>
+        </p:nvSpPr>
+        <p:spPr>
+          <a:xfrm>
+            <a:off x="7086600" y="6477000"/>
+            <a:ext cx="2045043" cy="381000"/>
+          </a:xfrm>
+          <a:prstGeom prst="roundRect">
+            <a:avLst/>
+          </a:prstGeom>
+          <a:noFill/>
+          <a:ln>
+            <a:solidFill>
+              <a:schemeClr val="accent2"/>
+            </a:solidFill>
+          </a:ln>
+        </p:spPr>
+        <p:style>
+          <a:lnRef idx="2">
+            <a:schemeClr val="accent1">
+              <a:shade val="50000"/>
+            </a:schemeClr>
+          </a:lnRef>
+          <a:fillRef idx="1">
+            <a:schemeClr val="accent1"/>
+          </a:fillRef>
+          <a:effectRef idx="0">
+            <a:schemeClr val="accent1"/>
+          </a:effectRef>
+          <a:fontRef idx="minor">
+            <a:schemeClr val="lt1"/>
+          </a:fontRef>
+        </p:style>
+        <p:txBody>
+          <a:bodyPr rtlCol="0" anchor="ctr"/>
+          <a:lstStyle/>
+          <a:p>
+            <a:pPr algn="ctr"/>
+            <a:endParaRPr lang="en-US"/>
+          </a:p>
+        </p:txBody>
+      </p:sp>
+      <p:sp>
+        <p:nvSpPr>
+          <p:cNvPr id="11" name="TextBox 10"/>
+          <p:cNvSpPr txBox="1"/>
+          <p:nvPr/>
+        </p:nvSpPr>
+        <p:spPr>
+          <a:xfrm>
+            <a:off x="533400" y="76200"/>
+            <a:ext cx="1048236" cy="369332"/>
+          </a:xfrm>
+          <a:prstGeom prst="rect">
+            <a:avLst/>
+          </a:prstGeom>
+          <a:noFill/>
+        </p:spPr>
+        <p:txBody>
+          <a:bodyPr wrap="none" rtlCol="0">
+            <a:spAutoFit/>
+          </a:bodyPr>
+          <a:lstStyle/>
+          <a:p>
+            <a:r>
+              <a:rPr lang="en-US" dirty="0" smtClean="0">
+                <a:hlinkClick r:id="rId3"/>
+              </a:rPr>
+              <a:t>Web Link</a:t>
+            </a:r>
+            <a:endParaRPr lang="en-US" dirty="0"/>
+          </a:p>
+        </p:txBody>
+      </p:sp>
+      <p:sp>
+        <p:nvSpPr>
+          <p:cNvPr id="6" name="Rounded Rectangle 5"/>
+          <p:cNvSpPr/>
+          <p:nvPr/>
+        </p:nvSpPr>
+        <p:spPr>
+          <a:xfrm>
+            <a:off x="3200400" y="1676400"/>
+            <a:ext cx="1219200" cy="3733800"/>
+          </a:xfrm>
+          <a:prstGeom prst="roundRect">
+            <a:avLst/>
+          </a:prstGeom>
+          <a:noFill/>
+          <a:ln w="57150">
+            <a:solidFill>
+              <a:schemeClr val="accent4"/>
+            </a:solidFill>
+          </a:ln>
+        </p:spPr>
+        <p:style>
+          <a:lnRef idx="2">
+            <a:schemeClr val="accent1">
+              <a:shade val="50000"/>
+            </a:schemeClr>
+          </a:lnRef>
+          <a:fillRef idx="1">
+            <a:schemeClr val="accent1"/>
+          </a:fillRef>
+          <a:effectRef idx="0">
+            <a:schemeClr val="accent1"/>
+          </a:effectRef>
+          <a:fontRef idx="minor">
+            <a:schemeClr val="lt1"/>
+          </a:fontRef>
+        </p:style>
+        <p:txBody>
+          <a:bodyPr rtlCol="0" anchor="ctr"/>
+          <a:lstStyle/>
+          <a:p>
+            <a:pPr algn="ctr"/>
+            <a:endParaRPr lang="en-US"/>
+          </a:p>
+        </p:txBody>
+      </p:sp>
+      <p:sp>
+        <p:nvSpPr>
+          <p:cNvPr id="9" name="Rounded Rectangle 8"/>
+          <p:cNvSpPr/>
+          <p:nvPr/>
+        </p:nvSpPr>
+        <p:spPr>
+          <a:xfrm>
+            <a:off x="6885174" y="1066800"/>
+            <a:ext cx="1268225" cy="4419600"/>
+          </a:xfrm>
+          <a:prstGeom prst="roundRect">
+            <a:avLst/>
+          </a:prstGeom>
+          <a:noFill/>
+          <a:ln w="57150">
+            <a:solidFill>
+              <a:schemeClr val="accent4"/>
+            </a:solidFill>
+          </a:ln>
+        </p:spPr>
+        <p:style>
+          <a:lnRef idx="2">
+            <a:schemeClr val="accent1">
+              <a:shade val="50000"/>
+            </a:schemeClr>
+          </a:lnRef>
+          <a:fillRef idx="1">
+            <a:schemeClr val="accent1"/>
+          </a:fillRef>
+          <a:effectRef idx="0">
+            <a:schemeClr val="accent1"/>
+          </a:effectRef>
+          <a:fontRef idx="minor">
+            <a:schemeClr val="lt1"/>
+          </a:fontRef>
+        </p:style>
+        <p:txBody>
+          <a:bodyPr rtlCol="0" anchor="ctr"/>
+          <a:lstStyle/>
+          <a:p>
+            <a:pPr algn="ctr"/>
+            <a:endParaRPr lang="en-US"/>
+          </a:p>
+        </p:txBody>
+      </p:sp>
+    </p:spTree>
+    <p:extLst>
+      <p:ext uri="{BB962C8B-B14F-4D97-AF65-F5344CB8AC3E}">
+        <p14:creationId xmlns:p14="http://schemas.microsoft.com/office/powerpoint/2010/main" val="1742332767"/>
+      </p:ext>
+    </p:extLst>
+  </p:cSld>
+  <p:clrMapOvr>
+    <a:masterClrMapping/>
+  </p:clrMapOvr>
+</p:sld>
+</file>
+
+<file path=ppt/slides/slide39.xml><?xml version="1.0" encoding="utf-8"?>
+<p:sld xmlns:a="http://schemas.openxmlformats.org/drawingml/2006/main" xmlns:r="http://schemas.openxmlformats.org/officeDocument/2006/relationships" xmlns:p="http://schemas.openxmlformats.org/presentationml/2006/main">
+  <p:cSld>
+    <p:spTree>
+      <p:nvGrpSpPr>
+        <p:cNvPr id="1" name=""/>
+        <p:cNvGrpSpPr/>
+        <p:nvPr/>
+      </p:nvGrpSpPr>
+      <p:grpSpPr>
+        <a:xfrm>
+          <a:off x="0" y="0"/>
+          <a:ext cx="0" cy="0"/>
+          <a:chOff x="0" y="0"/>
+          <a:chExt cx="0" cy="0"/>
+        </a:xfrm>
+      </p:grpSpPr>
+      <p:sp>
+        <p:nvSpPr>
+          <p:cNvPr id="4" name="Title 3"/>
+          <p:cNvSpPr>
+            <a:spLocks noGrp="1"/>
+          </p:cNvSpPr>
+          <p:nvPr>
+            <p:ph type="title"/>
+          </p:nvPr>
+        </p:nvSpPr>
+        <p:spPr/>
+        <p:txBody>
+          <a:bodyPr/>
+          <a:lstStyle/>
+          <a:p>
+            <a:r>
               <a:rPr lang="en-US" dirty="0" smtClean="0"/>
-            </a:br>
-            <a:r>
-              <a:rPr lang="en-US" dirty="0" smtClean="0"/>
-              <a:t>https://mesonet.agron.iastate.edu</a:t>
+              <a:t>February vs August Wind Rose</a:t>
             </a:r>
             <a:endParaRPr lang="en-US" dirty="0"/>
           </a:p>
@@ -8992,51 +11391,67 @@
         </p:blipFill>
         <p:spPr>
           <a:xfrm>
-            <a:off x="1178417" y="2296863"/>
-            <a:ext cx="2723882" cy="3196391"/>
+            <a:off x="457200" y="1843881"/>
+            <a:ext cx="4038600" cy="4038600"/>
           </a:xfrm>
         </p:spPr>
       </p:pic>
-      <p:sp>
-        <p:nvSpPr>
-          <p:cNvPr id="6" name="Content Placeholder 5"/>
-          <p:cNvSpPr>
-            <a:spLocks noGrp="1"/>
-          </p:cNvSpPr>
+      <p:pic>
+        <p:nvPicPr>
+          <p:cNvPr id="8" name="Content Placeholder 7"/>
+          <p:cNvPicPr>
+            <a:picLocks noGrp="1" noChangeAspect="1"/>
+          </p:cNvPicPr>
           <p:nvPr>
             <p:ph sz="half" idx="2"/>
           </p:nvPr>
-        </p:nvSpPr>
-        <p:spPr>
-          <a:xfrm>
-            <a:off x="4648200" y="2667001"/>
-            <a:ext cx="4267200" cy="2286000"/>
-          </a:xfrm>
-        </p:spPr>
-        <p:txBody>
-          <a:bodyPr/>
-          <a:lstStyle/>
-          <a:p>
-            <a:r>
-              <a:rPr lang="en-US" dirty="0" smtClean="0"/>
-              <a:t>Twitter: @</a:t>
-            </a:r>
-            <a:r>
-              <a:rPr lang="en-US" dirty="0" err="1" smtClean="0"/>
-              <a:t>akrherz</a:t>
-            </a:r>
-            <a:endParaRPr lang="en-US" dirty="0" smtClean="0"/>
-          </a:p>
-          <a:p>
-            <a:r>
-              <a:rPr lang="en-US" dirty="0" smtClean="0"/>
-              <a:t>akrherz@iastate.edu</a:t>
-            </a:r>
-          </a:p>
-          <a:p>
-            <a:r>
-              <a:rPr lang="en-US" dirty="0" smtClean="0"/>
-              <a:t>515-451-9249</a:t>
+        </p:nvPicPr>
+        <p:blipFill>
+          <a:blip r:embed="rId3">
+            <a:extLst>
+              <a:ext uri="{28A0092B-C50C-407E-A947-70E740481C1C}">
+                <a14:useLocalDpi xmlns:a14="http://schemas.microsoft.com/office/drawing/2010/main" val="0"/>
+              </a:ext>
+            </a:extLst>
+          </a:blip>
+          <a:stretch>
+            <a:fillRect/>
+          </a:stretch>
+        </p:blipFill>
+        <p:spPr>
+          <a:xfrm>
+            <a:off x="4648200" y="1843881"/>
+            <a:ext cx="4038600" cy="4038600"/>
+          </a:xfrm>
+        </p:spPr>
+      </p:pic>
+      <p:sp>
+        <p:nvSpPr>
+          <p:cNvPr id="9" name="TextBox 8"/>
+          <p:cNvSpPr txBox="1"/>
+          <p:nvPr/>
+        </p:nvSpPr>
+        <p:spPr>
+          <a:xfrm>
+            <a:off x="3980964" y="6019800"/>
+            <a:ext cx="1048236" cy="369332"/>
+          </a:xfrm>
+          <a:prstGeom prst="rect">
+            <a:avLst/>
+          </a:prstGeom>
+          <a:noFill/>
+        </p:spPr>
+        <p:txBody>
+          <a:bodyPr wrap="none" rtlCol="0">
+            <a:spAutoFit/>
+          </a:bodyPr>
+          <a:lstStyle/>
+          <a:p>
+            <a:r>
+              <a:rPr lang="en-US" dirty="0" smtClean="0">
+                <a:hlinkClick r:id="rId4"/>
+              </a:rPr>
+              <a:t>Web Link</a:t>
             </a:r>
             <a:endParaRPr lang="en-US" dirty="0"/>
           </a:p>
@@ -9045,99 +11460,7 @@
     </p:spTree>
     <p:extLst>
       <p:ext uri="{BB962C8B-B14F-4D97-AF65-F5344CB8AC3E}">
-        <p14:creationId xmlns:p14="http://schemas.microsoft.com/office/powerpoint/2010/main" val="3039039050"/>
-      </p:ext>
-    </p:extLst>
-  </p:cSld>
-  <p:clrMapOvr>
-    <a:masterClrMapping/>
-  </p:clrMapOvr>
-  <p:timing>
-    <p:tnLst>
-      <p:par>
-        <p:cTn id="1" dur="indefinite" restart="never" nodeType="tmRoot"/>
-      </p:par>
-    </p:tnLst>
-  </p:timing>
-</p:sld>
-</file>
-
-<file path=ppt/slides/slide3.xml><?xml version="1.0" encoding="utf-8"?>
-<p:sld xmlns:a="http://schemas.openxmlformats.org/drawingml/2006/main" xmlns:r="http://schemas.openxmlformats.org/officeDocument/2006/relationships" xmlns:p="http://schemas.openxmlformats.org/presentationml/2006/main">
-  <p:cSld>
-    <p:spTree>
-      <p:nvGrpSpPr>
-        <p:cNvPr id="1" name=""/>
-        <p:cNvGrpSpPr/>
-        <p:nvPr/>
-      </p:nvGrpSpPr>
-      <p:grpSpPr>
-        <a:xfrm>
-          <a:off x="0" y="0"/>
-          <a:ext cx="0" cy="0"/>
-          <a:chOff x="0" y="0"/>
-          <a:chExt cx="0" cy="0"/>
-        </a:xfrm>
-      </p:grpSpPr>
-      <p:sp>
-        <p:nvSpPr>
-          <p:cNvPr id="3" name="Title 2"/>
-          <p:cNvSpPr>
-            <a:spLocks noGrp="1"/>
-          </p:cNvSpPr>
-          <p:nvPr>
-            <p:ph type="title"/>
-          </p:nvPr>
-        </p:nvSpPr>
-        <p:spPr>
-          <a:xfrm>
-            <a:off x="722313" y="1524000"/>
-            <a:ext cx="7772400" cy="1362075"/>
-          </a:xfrm>
-        </p:spPr>
-        <p:txBody>
-          <a:bodyPr/>
-          <a:lstStyle/>
-          <a:p>
-            <a:r>
-              <a:rPr lang="en-US" dirty="0" smtClean="0"/>
-              <a:t>OK </a:t>
-            </a:r>
-            <a:r>
-              <a:rPr lang="en-US" dirty="0" err="1" smtClean="0"/>
-              <a:t>daryl</a:t>
-            </a:r>
-            <a:r>
-              <a:rPr lang="en-US" dirty="0" smtClean="0"/>
-              <a:t>, no more attempts at confusing drawings</a:t>
-            </a:r>
-            <a:endParaRPr lang="en-US" dirty="0"/>
-          </a:p>
-        </p:txBody>
-      </p:sp>
-      <p:sp>
-        <p:nvSpPr>
-          <p:cNvPr id="4" name="Text Placeholder 3"/>
-          <p:cNvSpPr>
-            <a:spLocks noGrp="1"/>
-          </p:cNvSpPr>
-          <p:nvPr>
-            <p:ph type="body" idx="1"/>
-          </p:nvPr>
-        </p:nvSpPr>
-        <p:spPr/>
-        <p:txBody>
-          <a:bodyPr/>
-          <a:lstStyle/>
-          <a:p>
-            <a:endParaRPr lang="en-US" dirty="0"/>
-          </a:p>
-        </p:txBody>
-      </p:sp>
-    </p:spTree>
-    <p:extLst>
-      <p:ext uri="{BB962C8B-B14F-4D97-AF65-F5344CB8AC3E}">
-        <p14:creationId xmlns:p14="http://schemas.microsoft.com/office/powerpoint/2010/main" val="2704570624"/>
+        <p14:creationId xmlns:p14="http://schemas.microsoft.com/office/powerpoint/2010/main" val="791534820"/>
       </p:ext>
     </p:extLst>
   </p:cSld>
@@ -9251,6 +11574,171 @@
   <p:clrMapOvr>
     <a:masterClrMapping/>
   </p:clrMapOvr>
+</p:sld>
+</file>
+
+<file path=ppt/slides/slide40.xml><?xml version="1.0" encoding="utf-8"?>
+<p:sld xmlns:a="http://schemas.openxmlformats.org/drawingml/2006/main" xmlns:r="http://schemas.openxmlformats.org/officeDocument/2006/relationships" xmlns:p="http://schemas.openxmlformats.org/presentationml/2006/main">
+  <p:cSld>
+    <p:spTree>
+      <p:nvGrpSpPr>
+        <p:cNvPr id="1" name=""/>
+        <p:cNvGrpSpPr/>
+        <p:nvPr/>
+      </p:nvGrpSpPr>
+      <p:grpSpPr>
+        <a:xfrm>
+          <a:off x="0" y="0"/>
+          <a:ext cx="0" cy="0"/>
+          <a:chOff x="0" y="0"/>
+          <a:chExt cx="0" cy="0"/>
+        </a:xfrm>
+      </p:grpSpPr>
+      <p:sp>
+        <p:nvSpPr>
+          <p:cNvPr id="4" name="Title 3"/>
+          <p:cNvSpPr>
+            <a:spLocks noGrp="1"/>
+          </p:cNvSpPr>
+          <p:nvPr>
+            <p:ph type="title"/>
+          </p:nvPr>
+        </p:nvSpPr>
+        <p:spPr>
+          <a:xfrm>
+            <a:off x="457200" y="838200"/>
+            <a:ext cx="8229600" cy="1143000"/>
+          </a:xfrm>
+        </p:spPr>
+        <p:txBody>
+          <a:bodyPr>
+            <a:normAutofit fontScale="90000"/>
+          </a:bodyPr>
+          <a:lstStyle/>
+          <a:p>
+            <a:r>
+              <a:rPr lang="en-US" dirty="0" smtClean="0"/>
+              <a:t>OK, enough of my rambling…. Questions</a:t>
+            </a:r>
+            <a:r>
+              <a:rPr lang="en-US" dirty="0" smtClean="0"/>
+              <a:t>?</a:t>
+            </a:r>
+            <a:br>
+              <a:rPr lang="en-US" dirty="0" smtClean="0"/>
+            </a:br>
+            <a:r>
+              <a:rPr lang="en-US" dirty="0" smtClean="0">
+                <a:hlinkClick r:id="rId2"/>
+              </a:rPr>
+              <a:t>https://mesonet.agron.iastate.edu</a:t>
+            </a:r>
+            <a:r>
+              <a:rPr lang="en-US" dirty="0" smtClean="0"/>
+              <a:t/>
+            </a:r>
+            <a:br>
+              <a:rPr lang="en-US" dirty="0" smtClean="0"/>
+            </a:br>
+            <a:r>
+              <a:rPr lang="en-US" dirty="0" smtClean="0"/>
+              <a:t>“Info” Tab -&gt; Presentations</a:t>
+            </a:r>
+            <a:endParaRPr lang="en-US" dirty="0"/>
+          </a:p>
+        </p:txBody>
+      </p:sp>
+      <p:pic>
+        <p:nvPicPr>
+          <p:cNvPr id="7" name="Content Placeholder 6"/>
+          <p:cNvPicPr>
+            <a:picLocks noGrp="1" noChangeAspect="1"/>
+          </p:cNvPicPr>
+          <p:nvPr>
+            <p:ph sz="half" idx="1"/>
+          </p:nvPr>
+        </p:nvPicPr>
+        <p:blipFill>
+          <a:blip r:embed="rId3">
+            <a:extLst>
+              <a:ext uri="{28A0092B-C50C-407E-A947-70E740481C1C}">
+                <a14:useLocalDpi xmlns:a14="http://schemas.microsoft.com/office/drawing/2010/main" val="0"/>
+              </a:ext>
+            </a:extLst>
+          </a:blip>
+          <a:stretch>
+            <a:fillRect/>
+          </a:stretch>
+        </p:blipFill>
+        <p:spPr>
+          <a:xfrm>
+            <a:off x="1178417" y="2747209"/>
+            <a:ext cx="2723882" cy="3196391"/>
+          </a:xfrm>
+        </p:spPr>
+      </p:pic>
+      <p:sp>
+        <p:nvSpPr>
+          <p:cNvPr id="6" name="Content Placeholder 5"/>
+          <p:cNvSpPr>
+            <a:spLocks noGrp="1"/>
+          </p:cNvSpPr>
+          <p:nvPr>
+            <p:ph sz="half" idx="2"/>
+          </p:nvPr>
+        </p:nvSpPr>
+        <p:spPr>
+          <a:xfrm>
+            <a:off x="4648200" y="3117347"/>
+            <a:ext cx="4267200" cy="2286000"/>
+          </a:xfrm>
+        </p:spPr>
+        <p:txBody>
+          <a:bodyPr/>
+          <a:lstStyle/>
+          <a:p>
+            <a:r>
+              <a:rPr lang="en-US" dirty="0" smtClean="0"/>
+              <a:t>Twitter: @</a:t>
+            </a:r>
+            <a:r>
+              <a:rPr lang="en-US" dirty="0" err="1" smtClean="0"/>
+              <a:t>akrherz</a:t>
+            </a:r>
+            <a:endParaRPr lang="en-US" dirty="0" smtClean="0"/>
+          </a:p>
+          <a:p>
+            <a:r>
+              <a:rPr lang="en-US" dirty="0" smtClean="0"/>
+              <a:t>akrherz@iastate.edu</a:t>
+            </a:r>
+          </a:p>
+          <a:p>
+            <a:r>
+              <a:rPr lang="en-US" dirty="0" smtClean="0"/>
+              <a:t>515-451-9249</a:t>
+            </a:r>
+            <a:endParaRPr lang="en-US" dirty="0"/>
+          </a:p>
+        </p:txBody>
+      </p:sp>
+    </p:spTree>
+    <p:extLst>
+      <p:ext uri="{BB962C8B-B14F-4D97-AF65-F5344CB8AC3E}">
+        <p14:creationId xmlns:p14="http://schemas.microsoft.com/office/powerpoint/2010/main" val="3039039050"/>
+      </p:ext>
+    </p:extLst>
+  </p:cSld>
+  <p:clrMapOvr>
+    <a:masterClrMapping/>
+  </p:clrMapOvr>
+  <p:timing>
+    <p:tnLst>
+      <p:par>
+        <p:cTn id="1" dur="indefinite" restart="never" nodeType="tmRoot"/>
+      </p:par>
+    </p:tnLst>
+  </p:timing>
 </p:sld>
 </file>
 

--- a/presentations/180301_seiara/herzmann_seiara.pptx
+++ b/presentations/180301_seiara/herzmann_seiara.pptx
@@ -3169,7 +3169,6 @@
               <a:rPr lang="en-US" dirty="0"/>
               <a:t>Utilizing Weather Station Data to Improve Crop Management</a:t>
             </a:r>
-            <a:endParaRPr lang="en-US" dirty="0"/>
           </a:p>
         </p:txBody>
       </p:sp>
@@ -3213,15 +3212,7 @@
             </a:r>
             <a:r>
               <a:rPr lang="en-US" dirty="0" smtClean="0"/>
-              <a:t> </a:t>
-            </a:r>
-            <a:r>
-              <a:rPr lang="en-US" dirty="0" smtClean="0"/>
-              <a:t>March </a:t>
-            </a:r>
-            <a:r>
-              <a:rPr lang="en-US" dirty="0" smtClean="0"/>
-              <a:t>2018</a:t>
+              <a:t> March 2018</a:t>
             </a:r>
           </a:p>
         </p:txBody>
@@ -3249,7 +3240,7 @@
         <p:spPr>
           <a:xfrm>
             <a:off x="3200400" y="386574"/>
-            <a:ext cx="2683155" cy="2051825"/>
+            <a:ext cx="2683155" cy="2051824"/>
           </a:xfrm>
           <a:prstGeom prst="rect">
             <a:avLst/>
@@ -3412,6 +3403,13 @@
   <p:clrMapOvr>
     <a:masterClrMapping/>
   </p:clrMapOvr>
+  <p:timing>
+    <p:tnLst>
+      <p:par>
+        <p:cTn id="1" dur="indefinite" restart="never" nodeType="tmRoot"/>
+      </p:par>
+    </p:tnLst>
+  </p:timing>
 </p:sld>
 </file>
 
@@ -3531,6 +3529,13 @@
   <p:clrMapOvr>
     <a:masterClrMapping/>
   </p:clrMapOvr>
+  <p:timing>
+    <p:tnLst>
+      <p:par>
+        <p:cTn id="1" dur="indefinite" restart="never" nodeType="tmRoot"/>
+      </p:par>
+    </p:tnLst>
+  </p:timing>
 </p:sld>
 </file>
 
@@ -3909,7 +3914,7 @@
         <p:spPr>
           <a:xfrm>
             <a:off x="5861223" y="134104"/>
-            <a:ext cx="1824410" cy="369332"/>
+            <a:ext cx="3202287" cy="584775"/>
           </a:xfrm>
           <a:prstGeom prst="rect">
             <a:avLst/>
@@ -3923,10 +3928,14 @@
           <a:lstStyle/>
           <a:p>
             <a:r>
-              <a:rPr lang="en-US" b="1" dirty="0" smtClean="0"/>
-              <a:t>ISU Auto Plotting</a:t>
-            </a:r>
-            <a:endParaRPr lang="en-US" b="1" dirty="0"/>
+              <a:rPr lang="en-US" sz="3200" b="1" dirty="0" smtClean="0"/>
+              <a:t>IEM </a:t>
+            </a:r>
+            <a:r>
+              <a:rPr lang="en-US" sz="3200" b="1" dirty="0" smtClean="0"/>
+              <a:t>Auto Plotting</a:t>
+            </a:r>
+            <a:endParaRPr lang="en-US" sz="3200" b="1" dirty="0"/>
           </a:p>
         </p:txBody>
       </p:sp>
@@ -3940,6 +3949,13 @@
   <p:clrMapOvr>
     <a:masterClrMapping/>
   </p:clrMapOvr>
+  <p:timing>
+    <p:tnLst>
+      <p:par>
+        <p:cTn id="1" dur="indefinite" restart="never" nodeType="tmRoot"/>
+      </p:par>
+    </p:tnLst>
+  </p:timing>
 </p:sld>
 </file>
 
@@ -3993,14 +4009,14 @@
             <p:ph idx="1"/>
             <p:extLst>
               <p:ext uri="{D42A27DB-BD31-4B8C-83A1-F6EECF244321}">
-                <p14:modId xmlns:p14="http://schemas.microsoft.com/office/powerpoint/2010/main" val="3587817677"/>
+                <p14:modId xmlns:p14="http://schemas.microsoft.com/office/powerpoint/2010/main" val="2336321676"/>
               </p:ext>
             </p:extLst>
           </p:nvPr>
         </p:nvGraphicFramePr>
         <p:xfrm>
           <a:off x="457200" y="1600200"/>
-          <a:ext cx="8229600" cy="3876040"/>
+          <a:ext cx="8229600" cy="4246880"/>
         </p:xfrm>
         <a:graphic>
           <a:graphicData uri="http://schemas.openxmlformats.org/drawingml/2006/table">
@@ -4280,7 +4296,11 @@
                     <a:p>
                       <a:r>
                         <a:rPr lang="en-US" dirty="0" smtClean="0"/>
-                        <a:t>Soil Moisture</a:t>
+                        <a:t>Soil </a:t>
+                      </a:r>
+                      <a:r>
+                        <a:rPr lang="en-US" dirty="0" smtClean="0"/>
+                        <a:t>Temperature/Moisture</a:t>
                       </a:r>
                       <a:endParaRPr lang="en-US" dirty="0"/>
                     </a:p>
@@ -4409,6 +4429,58 @@
                   </a:ext>
                 </a:extLst>
               </a:tr>
+              <a:tr h="370840">
+                <a:tc>
+                  <a:txBody>
+                    <a:bodyPr/>
+                    <a:lstStyle/>
+                    <a:p>
+                      <a:r>
+                        <a:rPr lang="en-US" dirty="0" smtClean="0"/>
+                        <a:t>Unicorns</a:t>
+                      </a:r>
+                      <a:endParaRPr lang="en-US" dirty="0"/>
+                    </a:p>
+                  </a:txBody>
+                  <a:tcPr/>
+                </a:tc>
+                <a:tc>
+                  <a:txBody>
+                    <a:bodyPr/>
+                    <a:lstStyle/>
+                    <a:p>
+                      <a:pPr marL="0" marR="0" lvl="0" indent="0" algn="l" defTabSz="914400" rtl="0" eaLnBrk="1" fontAlgn="auto" latinLnBrk="0" hangingPunct="1">
+                        <a:lnSpc>
+                          <a:spcPct val="100000"/>
+                        </a:lnSpc>
+                        <a:spcBef>
+                          <a:spcPts val="0"/>
+                        </a:spcBef>
+                        <a:spcAft>
+                          <a:spcPts val="0"/>
+                        </a:spcAft>
+                        <a:buClrTx/>
+                        <a:buSzTx/>
+                        <a:buFontTx/>
+                        <a:buNone/>
+                        <a:tabLst/>
+                        <a:defRPr/>
+                      </a:pPr>
+                      <a:r>
+                        <a:rPr lang="en-US" dirty="0" smtClean="0"/>
+                        <a:t>Sorry, we don’t have that, yet.</a:t>
+                      </a:r>
+                      <a:endParaRPr lang="en-US" dirty="0" smtClean="0"/>
+                    </a:p>
+                  </a:txBody>
+                  <a:tcPr/>
+                </a:tc>
+                <a:extLst>
+                  <a:ext uri="{0D108BD9-81ED-4DB2-BD59-A6C34878D82A}">
+                    <a16:rowId xmlns:a16="http://schemas.microsoft.com/office/drawing/2014/main" val="3281084040"/>
+                  </a:ext>
+                </a:extLst>
+              </a:tr>
             </a:tbl>
           </a:graphicData>
         </a:graphic>
@@ -4423,6 +4495,13 @@
   <p:clrMapOvr>
     <a:masterClrMapping/>
   </p:clrMapOvr>
+  <p:timing>
+    <p:tnLst>
+      <p:par>
+        <p:cTn id="1" dur="indefinite" restart="never" nodeType="tmRoot"/>
+      </p:par>
+    </p:tnLst>
+  </p:timing>
 </p:sld>
 </file>
 
@@ -4611,6 +4690,13 @@
   <p:clrMapOvr>
     <a:masterClrMapping/>
   </p:clrMapOvr>
+  <p:timing>
+    <p:tnLst>
+      <p:par>
+        <p:cTn id="1" dur="indefinite" restart="never" nodeType="tmRoot"/>
+      </p:par>
+    </p:tnLst>
+  </p:timing>
 </p:sld>
 </file>
 
@@ -4750,6 +4836,13 @@
   <p:clrMapOvr>
     <a:masterClrMapping/>
   </p:clrMapOvr>
+  <p:timing>
+    <p:tnLst>
+      <p:par>
+        <p:cTn id="1" dur="indefinite" restart="never" nodeType="tmRoot"/>
+      </p:par>
+    </p:tnLst>
+  </p:timing>
 </p:sld>
 </file>
 
@@ -4795,8 +4888,8 @@
           </a:p>
         </p:txBody>
       </p:sp>
-      <mc:AlternateContent xmlns:mc="http://schemas.openxmlformats.org/markup-compatibility/2006">
-        <mc:Choice xmlns:a14="http://schemas.microsoft.com/office/drawing/2010/main" Requires="a14">
+      <mc:AlternateContent xmlns:mc="http://schemas.openxmlformats.org/markup-compatibility/2006" xmlns:a14="http://schemas.microsoft.com/office/drawing/2010/main">
+        <mc:Choice Requires="a14">
           <p:sp>
             <p:nvSpPr>
               <p:cNvPr id="3" name="Content Placeholder 2"/>
@@ -4953,7 +5046,7 @@
             </p:txBody>
           </p:sp>
         </mc:Choice>
-        <mc:Fallback>
+        <mc:Fallback xmlns="">
           <p:sp>
             <p:nvSpPr>
               <p:cNvPr id="3" name="Content Placeholder 2"/>
@@ -5146,6 +5239,13 @@
   <p:clrMapOvr>
     <a:masterClrMapping/>
   </p:clrMapOvr>
+  <p:timing>
+    <p:tnLst>
+      <p:par>
+        <p:cTn id="1" dur="indefinite" restart="never" nodeType="tmRoot"/>
+      </p:par>
+    </p:tnLst>
+  </p:timing>
 </p:sld>
 </file>
 
@@ -5375,6 +5475,13 @@
   <p:clrMapOvr>
     <a:masterClrMapping/>
   </p:clrMapOvr>
+  <p:timing>
+    <p:tnLst>
+      <p:par>
+        <p:cTn id="1" dur="indefinite" restart="never" nodeType="tmRoot"/>
+      </p:par>
+    </p:tnLst>
+  </p:timing>
 </p:sld>
 </file>
 
@@ -5558,6 +5665,13 @@
   <p:clrMapOvr>
     <a:masterClrMapping/>
   </p:clrMapOvr>
+  <p:timing>
+    <p:tnLst>
+      <p:par>
+        <p:cTn id="1" dur="indefinite" restart="never" nodeType="tmRoot"/>
+      </p:par>
+    </p:tnLst>
+  </p:timing>
 </p:sld>
 </file>
 
@@ -5695,6 +5809,13 @@
   <p:clrMapOvr>
     <a:masterClrMapping/>
   </p:clrMapOvr>
+  <p:timing>
+    <p:tnLst>
+      <p:par>
+        <p:cTn id="1" dur="indefinite" restart="never" nodeType="tmRoot"/>
+      </p:par>
+    </p:tnLst>
+  </p:timing>
 </p:sld>
 </file>
 
@@ -7878,6 +7999,13 @@
   <p:clrMapOvr>
     <a:masterClrMapping/>
   </p:clrMapOvr>
+  <p:timing>
+    <p:tnLst>
+      <p:par>
+        <p:cTn id="1" dur="indefinite" restart="never" nodeType="tmRoot"/>
+      </p:par>
+    </p:tnLst>
+  </p:timing>
 </p:sld>
 </file>
 
@@ -8015,6 +8143,13 @@
   <p:clrMapOvr>
     <a:masterClrMapping/>
   </p:clrMapOvr>
+  <p:timing>
+    <p:tnLst>
+      <p:par>
+        <p:cTn id="1" dur="indefinite" restart="never" nodeType="tmRoot"/>
+      </p:par>
+    </p:tnLst>
+  </p:timing>
 </p:sld>
 </file>
 
@@ -8154,6 +8289,13 @@
   <p:clrMapOvr>
     <a:masterClrMapping/>
   </p:clrMapOvr>
+  <p:timing>
+    <p:tnLst>
+      <p:par>
+        <p:cTn id="1" dur="indefinite" restart="never" nodeType="tmRoot"/>
+      </p:par>
+    </p:tnLst>
+  </p:timing>
 </p:sld>
 </file>
 
@@ -8291,6 +8433,13 @@
   <p:clrMapOvr>
     <a:masterClrMapping/>
   </p:clrMapOvr>
+  <p:timing>
+    <p:tnLst>
+      <p:par>
+        <p:cTn id="1" dur="indefinite" restart="never" nodeType="tmRoot"/>
+      </p:par>
+    </p:tnLst>
+  </p:timing>
 </p:sld>
 </file>
 
@@ -8548,6 +8697,13 @@
   <p:clrMapOvr>
     <a:masterClrMapping/>
   </p:clrMapOvr>
+  <p:timing>
+    <p:tnLst>
+      <p:par>
+        <p:cTn id="1" dur="indefinite" restart="never" nodeType="tmRoot"/>
+      </p:par>
+    </p:tnLst>
+  </p:timing>
 </p:sld>
 </file>
 
@@ -8685,6 +8841,13 @@
   <p:clrMapOvr>
     <a:masterClrMapping/>
   </p:clrMapOvr>
+  <p:timing>
+    <p:tnLst>
+      <p:par>
+        <p:cTn id="1" dur="indefinite" restart="never" nodeType="tmRoot"/>
+      </p:par>
+    </p:tnLst>
+  </p:timing>
 </p:sld>
 </file>
 
@@ -8868,6 +9031,13 @@
   <p:clrMapOvr>
     <a:masterClrMapping/>
   </p:clrMapOvr>
+  <p:timing>
+    <p:tnLst>
+      <p:par>
+        <p:cTn id="1" dur="indefinite" restart="never" nodeType="tmRoot"/>
+      </p:par>
+    </p:tnLst>
+  </p:timing>
 </p:sld>
 </file>
 
@@ -9007,6 +9177,13 @@
   <p:clrMapOvr>
     <a:masterClrMapping/>
   </p:clrMapOvr>
+  <p:timing>
+    <p:tnLst>
+      <p:par>
+        <p:cTn id="1" dur="indefinite" restart="never" nodeType="tmRoot"/>
+      </p:par>
+    </p:tnLst>
+  </p:timing>
 </p:sld>
 </file>
 
@@ -9109,6 +9286,13 @@
   <p:clrMapOvr>
     <a:masterClrMapping/>
   </p:clrMapOvr>
+  <p:timing>
+    <p:tnLst>
+      <p:par>
+        <p:cTn id="1" dur="indefinite" restart="never" nodeType="tmRoot"/>
+      </p:par>
+    </p:tnLst>
+  </p:timing>
 </p:sld>
 </file>
 
@@ -9292,6 +9476,13 @@
   <p:clrMapOvr>
     <a:masterClrMapping/>
   </p:clrMapOvr>
+  <p:timing>
+    <p:tnLst>
+      <p:par>
+        <p:cTn id="1" dur="indefinite" restart="never" nodeType="tmRoot"/>
+      </p:par>
+    </p:tnLst>
+  </p:timing>
 </p:sld>
 </file>
 
@@ -9469,6 +9660,13 @@
   <p:clrMapOvr>
     <a:masterClrMapping/>
   </p:clrMapOvr>
+  <p:timing>
+    <p:tnLst>
+      <p:par>
+        <p:cTn id="1" dur="indefinite" restart="never" nodeType="tmRoot"/>
+      </p:par>
+    </p:tnLst>
+  </p:timing>
 </p:sld>
 </file>
 
@@ -9554,6 +9752,13 @@
   <p:clrMapOvr>
     <a:masterClrMapping/>
   </p:clrMapOvr>
+  <p:timing>
+    <p:tnLst>
+      <p:par>
+        <p:cTn id="1" dur="indefinite" restart="never" nodeType="tmRoot"/>
+      </p:par>
+    </p:tnLst>
+  </p:timing>
 </p:sld>
 </file>
 
@@ -9691,6 +9896,13 @@
   <p:clrMapOvr>
     <a:masterClrMapping/>
   </p:clrMapOvr>
+  <p:timing>
+    <p:tnLst>
+      <p:par>
+        <p:cTn id="1" dur="indefinite" restart="never" nodeType="tmRoot"/>
+      </p:par>
+    </p:tnLst>
+  </p:timing>
 </p:sld>
 </file>
 
@@ -9830,6 +10042,13 @@
   <p:clrMapOvr>
     <a:masterClrMapping/>
   </p:clrMapOvr>
+  <p:timing>
+    <p:tnLst>
+      <p:par>
+        <p:cTn id="1" dur="indefinite" restart="never" nodeType="tmRoot"/>
+      </p:par>
+    </p:tnLst>
+  </p:timing>
 </p:sld>
 </file>
 
@@ -10276,6 +10495,13 @@
   <p:clrMapOvr>
     <a:masterClrMapping/>
   </p:clrMapOvr>
+  <p:timing>
+    <p:tnLst>
+      <p:par>
+        <p:cTn id="1" dur="indefinite" restart="never" nodeType="tmRoot"/>
+      </p:par>
+    </p:tnLst>
+  </p:timing>
 </p:sld>
 </file>
 
@@ -10459,6 +10685,13 @@
   <p:clrMapOvr>
     <a:masterClrMapping/>
   </p:clrMapOvr>
+  <p:timing>
+    <p:tnLst>
+      <p:par>
+        <p:cTn id="1" dur="indefinite" restart="never" nodeType="tmRoot"/>
+      </p:par>
+    </p:tnLst>
+  </p:timing>
 </p:sld>
 </file>
 
@@ -10596,6 +10829,13 @@
   <p:clrMapOvr>
     <a:masterClrMapping/>
   </p:clrMapOvr>
+  <p:timing>
+    <p:tnLst>
+      <p:par>
+        <p:cTn id="1" dur="indefinite" restart="never" nodeType="tmRoot"/>
+      </p:par>
+    </p:tnLst>
+  </p:timing>
 </p:sld>
 </file>
 
@@ -10825,6 +11065,13 @@
   <p:clrMapOvr>
     <a:masterClrMapping/>
   </p:clrMapOvr>
+  <p:timing>
+    <p:tnLst>
+      <p:par>
+        <p:cTn id="1" dur="indefinite" restart="never" nodeType="tmRoot"/>
+      </p:par>
+    </p:tnLst>
+  </p:timing>
 </p:sld>
 </file>
 
@@ -10962,6 +11209,13 @@
   <p:clrMapOvr>
     <a:masterClrMapping/>
   </p:clrMapOvr>
+  <p:timing>
+    <p:tnLst>
+      <p:par>
+        <p:cTn id="1" dur="indefinite" restart="never" nodeType="tmRoot"/>
+      </p:par>
+    </p:tnLst>
+  </p:timing>
 </p:sld>
 </file>
 
@@ -11095,6 +11349,13 @@
   <p:clrMapOvr>
     <a:masterClrMapping/>
   </p:clrMapOvr>
+  <p:timing>
+    <p:tnLst>
+      <p:par>
+        <p:cTn id="1" dur="indefinite" restart="never" nodeType="tmRoot"/>
+      </p:par>
+    </p:tnLst>
+  </p:timing>
 </p:sld>
 </file>
 
@@ -11324,6 +11585,13 @@
   <p:clrMapOvr>
     <a:masterClrMapping/>
   </p:clrMapOvr>
+  <p:timing>
+    <p:tnLst>
+      <p:par>
+        <p:cTn id="1" dur="indefinite" restart="never" nodeType="tmRoot"/>
+      </p:par>
+    </p:tnLst>
+  </p:timing>
 </p:sld>
 </file>
 
@@ -11467,6 +11735,13 @@
   <p:clrMapOvr>
     <a:masterClrMapping/>
   </p:clrMapOvr>
+  <p:timing>
+    <p:tnLst>
+      <p:par>
+        <p:cTn id="1" dur="indefinite" restart="never" nodeType="tmRoot"/>
+      </p:par>
+    </p:tnLst>
+  </p:timing>
 </p:sld>
 </file>
 
@@ -11574,6 +11849,13 @@
   <p:clrMapOvr>
     <a:masterClrMapping/>
   </p:clrMapOvr>
+  <p:timing>
+    <p:tnLst>
+      <p:par>
+        <p:cTn id="1" dur="indefinite" restart="never" nodeType="tmRoot"/>
+      </p:par>
+    </p:tnLst>
+  </p:timing>
 </p:sld>
 </file>
 
@@ -11618,11 +11900,7 @@
           <a:p>
             <a:r>
               <a:rPr lang="en-US" dirty="0" smtClean="0"/>
-              <a:t>OK, enough of my rambling…. Questions</a:t>
-            </a:r>
-            <a:r>
-              <a:rPr lang="en-US" dirty="0" smtClean="0"/>
-              <a:t>?</a:t>
+              <a:t>OK, enough of my rambling…. Questions?</a:t>
             </a:r>
             <a:br>
               <a:rPr lang="en-US" dirty="0" smtClean="0"/>
@@ -12027,6 +12305,13 @@
   <p:clrMapOvr>
     <a:masterClrMapping/>
   </p:clrMapOvr>
+  <p:timing>
+    <p:tnLst>
+      <p:par>
+        <p:cTn id="1" dur="indefinite" restart="never" nodeType="tmRoot"/>
+      </p:par>
+    </p:tnLst>
+  </p:timing>
 </p:sld>
 </file>
 
@@ -12179,6 +12464,13 @@
   <p:clrMapOvr>
     <a:masterClrMapping/>
   </p:clrMapOvr>
+  <p:timing>
+    <p:tnLst>
+      <p:par>
+        <p:cTn id="1" dur="indefinite" restart="never" nodeType="tmRoot"/>
+      </p:par>
+    </p:tnLst>
+  </p:timing>
 </p:sld>
 </file>
 
@@ -12247,7 +12539,15 @@
           <a:p>
             <a:r>
               <a:rPr lang="en-US" dirty="0" smtClean="0"/>
-              <a:t>Similar to wind, one second plots show rapid temperature fluctuations</a:t>
+              <a:t>Similar to wind, one second plots </a:t>
+            </a:r>
+            <a:r>
+              <a:rPr lang="en-US" dirty="0" smtClean="0"/>
+              <a:t>sometimes show </a:t>
+            </a:r>
+            <a:r>
+              <a:rPr lang="en-US" dirty="0" smtClean="0"/>
+              <a:t>rapid temperature fluctuations</a:t>
             </a:r>
           </a:p>
           <a:p>
@@ -12345,6 +12645,13 @@
   <p:clrMapOvr>
     <a:masterClrMapping/>
   </p:clrMapOvr>
+  <p:timing>
+    <p:tnLst>
+      <p:par>
+        <p:cTn id="1" dur="indefinite" restart="never" nodeType="tmRoot"/>
+      </p:par>
+    </p:tnLst>
+  </p:timing>
 </p:sld>
 </file>
 
@@ -12486,6 +12793,13 @@
   <p:clrMapOvr>
     <a:masterClrMapping/>
   </p:clrMapOvr>
+  <p:timing>
+    <p:tnLst>
+      <p:par>
+        <p:cTn id="1" dur="indefinite" restart="never" nodeType="tmRoot"/>
+      </p:par>
+    </p:tnLst>
+  </p:timing>
 </p:sld>
 </file>
 
@@ -12571,6 +12885,13 @@
   <p:clrMapOvr>
     <a:masterClrMapping/>
   </p:clrMapOvr>
+  <p:timing>
+    <p:tnLst>
+      <p:par>
+        <p:cTn id="1" dur="indefinite" restart="never" nodeType="tmRoot"/>
+      </p:par>
+    </p:tnLst>
+  </p:timing>
 </p:sld>
 </file>
 
